--- a/EnableIoT Workshop_ALL.pptx
+++ b/EnableIoT Workshop_ALL.pptx
@@ -5,7 +5,7 @@
     <p:sldMasterId id="2147483648" r:id="rId1"/>
   </p:sldMasterIdLst>
   <p:notesMasterIdLst>
-    <p:notesMasterId r:id="rId27"/>
+    <p:notesMasterId r:id="rId38"/>
   </p:notesMasterIdLst>
   <p:sldIdLst>
     <p:sldId id="256" r:id="rId2"/>
@@ -33,6 +33,17 @@
     <p:sldId id="279" r:id="rId24"/>
     <p:sldId id="280" r:id="rId25"/>
     <p:sldId id="281" r:id="rId26"/>
+    <p:sldId id="292" r:id="rId27"/>
+    <p:sldId id="282" r:id="rId28"/>
+    <p:sldId id="283" r:id="rId29"/>
+    <p:sldId id="284" r:id="rId30"/>
+    <p:sldId id="285" r:id="rId31"/>
+    <p:sldId id="286" r:id="rId32"/>
+    <p:sldId id="287" r:id="rId33"/>
+    <p:sldId id="288" r:id="rId34"/>
+    <p:sldId id="289" r:id="rId35"/>
+    <p:sldId id="290" r:id="rId36"/>
+    <p:sldId id="291" r:id="rId37"/>
   </p:sldIdLst>
   <p:sldSz cx="12192000" cy="6858000"/>
   <p:notesSz cx="6858000" cy="9144000"/>
@@ -221,7 +232,7 @@
           <a:p>
             <a:fld id="{C713E824-79EA-4D2B-AFDB-239066D7F704}" type="datetimeFigureOut">
               <a:rPr lang="en-US" smtClean="0"/>
-              <a:t>3/22/2016</a:t>
+              <a:t>4/19/2016</a:t>
             </a:fld>
             <a:endParaRPr lang="en-US"/>
           </a:p>
@@ -573,6 +584,90 @@
 </p:notes>
 </file>
 
+<file path=ppt/notesSlides/notesSlide10.xml><?xml version="1.0" encoding="utf-8"?>
+<p:notes xmlns:a="http://schemas.openxmlformats.org/drawingml/2006/main" xmlns:r="http://schemas.openxmlformats.org/officeDocument/2006/relationships" xmlns:p="http://schemas.openxmlformats.org/presentationml/2006/main">
+  <p:cSld>
+    <p:spTree>
+      <p:nvGrpSpPr>
+        <p:cNvPr id="1" name=""/>
+        <p:cNvGrpSpPr/>
+        <p:nvPr/>
+      </p:nvGrpSpPr>
+      <p:grpSpPr>
+        <a:xfrm>
+          <a:off x="0" y="0"/>
+          <a:ext cx="0" cy="0"/>
+          <a:chOff x="0" y="0"/>
+          <a:chExt cx="0" cy="0"/>
+        </a:xfrm>
+      </p:grpSpPr>
+      <p:sp>
+        <p:nvSpPr>
+          <p:cNvPr id="2" name="Slide Image Placeholder 1"/>
+          <p:cNvSpPr>
+            <a:spLocks noGrp="1" noRot="1" noChangeAspect="1"/>
+          </p:cNvSpPr>
+          <p:nvPr>
+            <p:ph type="sldImg"/>
+          </p:nvPr>
+        </p:nvSpPr>
+        <p:spPr/>
+      </p:sp>
+      <p:sp>
+        <p:nvSpPr>
+          <p:cNvPr id="3" name="Notes Placeholder 2"/>
+          <p:cNvSpPr>
+            <a:spLocks noGrp="1"/>
+          </p:cNvSpPr>
+          <p:nvPr>
+            <p:ph type="body" idx="1"/>
+          </p:nvPr>
+        </p:nvSpPr>
+        <p:spPr/>
+        <p:txBody>
+          <a:bodyPr/>
+          <a:lstStyle/>
+          <a:p>
+            <a:endParaRPr lang="en-US" dirty="0"/>
+          </a:p>
+        </p:txBody>
+      </p:sp>
+      <p:sp>
+        <p:nvSpPr>
+          <p:cNvPr id="4" name="Slide Number Placeholder 3"/>
+          <p:cNvSpPr>
+            <a:spLocks noGrp="1"/>
+          </p:cNvSpPr>
+          <p:nvPr>
+            <p:ph type="sldNum" sz="quarter" idx="10"/>
+          </p:nvPr>
+        </p:nvSpPr>
+        <p:spPr/>
+        <p:txBody>
+          <a:bodyPr/>
+          <a:lstStyle/>
+          <a:p>
+            <a:fld id="{BFF2A74D-2613-4473-A820-2DD0EE84AC06}" type="slidenum">
+              <a:rPr lang="en-US" smtClean="0"/>
+              <a:t>36</a:t>
+            </a:fld>
+            <a:endParaRPr lang="en-US"/>
+          </a:p>
+        </p:txBody>
+      </p:sp>
+    </p:spTree>
+    <p:extLst>
+      <p:ext uri="{BB962C8B-B14F-4D97-AF65-F5344CB8AC3E}">
+        <p14:creationId xmlns:p14="http://schemas.microsoft.com/office/powerpoint/2010/main" val="2907080058"/>
+      </p:ext>
+    </p:extLst>
+  </p:cSld>
+  <p:clrMapOvr>
+    <a:masterClrMapping/>
+  </p:clrMapOvr>
+</p:notes>
+</file>
+
 <file path=ppt/notesSlides/notesSlide2.xml><?xml version="1.0" encoding="utf-8"?>
 <p:notes xmlns:a="http://schemas.openxmlformats.org/drawingml/2006/main" xmlns:r="http://schemas.openxmlformats.org/officeDocument/2006/relationships" xmlns:p="http://schemas.openxmlformats.org/presentationml/2006/main">
   <p:cSld>
@@ -1447,7 +1542,7 @@
           <a:p>
             <a:fld id="{6FC6B282-9A11-4306-B264-2826A6534A10}" type="datetimeFigureOut">
               <a:rPr lang="en-US" smtClean="0"/>
-              <a:t>3/22/2016</a:t>
+              <a:t>4/19/2016</a:t>
             </a:fld>
             <a:endParaRPr lang="en-US"/>
           </a:p>
@@ -1617,7 +1712,7 @@
           <a:p>
             <a:fld id="{6FC6B282-9A11-4306-B264-2826A6534A10}" type="datetimeFigureOut">
               <a:rPr lang="en-US" smtClean="0"/>
-              <a:t>3/22/2016</a:t>
+              <a:t>4/19/2016</a:t>
             </a:fld>
             <a:endParaRPr lang="en-US"/>
           </a:p>
@@ -1797,7 +1892,7 @@
           <a:p>
             <a:fld id="{6FC6B282-9A11-4306-B264-2826A6534A10}" type="datetimeFigureOut">
               <a:rPr lang="en-US" smtClean="0"/>
-              <a:t>3/22/2016</a:t>
+              <a:t>4/19/2016</a:t>
             </a:fld>
             <a:endParaRPr lang="en-US"/>
           </a:p>
@@ -1967,7 +2062,7 @@
           <a:p>
             <a:fld id="{6FC6B282-9A11-4306-B264-2826A6534A10}" type="datetimeFigureOut">
               <a:rPr lang="en-US" smtClean="0"/>
-              <a:t>3/22/2016</a:t>
+              <a:t>4/19/2016</a:t>
             </a:fld>
             <a:endParaRPr lang="en-US"/>
           </a:p>
@@ -2213,7 +2308,7 @@
           <a:p>
             <a:fld id="{6FC6B282-9A11-4306-B264-2826A6534A10}" type="datetimeFigureOut">
               <a:rPr lang="en-US" smtClean="0"/>
-              <a:t>3/22/2016</a:t>
+              <a:t>4/19/2016</a:t>
             </a:fld>
             <a:endParaRPr lang="en-US"/>
           </a:p>
@@ -2445,7 +2540,7 @@
           <a:p>
             <a:fld id="{6FC6B282-9A11-4306-B264-2826A6534A10}" type="datetimeFigureOut">
               <a:rPr lang="en-US" smtClean="0"/>
-              <a:t>3/22/2016</a:t>
+              <a:t>4/19/2016</a:t>
             </a:fld>
             <a:endParaRPr lang="en-US"/>
           </a:p>
@@ -2812,7 +2907,7 @@
           <a:p>
             <a:fld id="{6FC6B282-9A11-4306-B264-2826A6534A10}" type="datetimeFigureOut">
               <a:rPr lang="en-US" smtClean="0"/>
-              <a:t>3/22/2016</a:t>
+              <a:t>4/19/2016</a:t>
             </a:fld>
             <a:endParaRPr lang="en-US"/>
           </a:p>
@@ -2930,7 +3025,7 @@
           <a:p>
             <a:fld id="{6FC6B282-9A11-4306-B264-2826A6534A10}" type="datetimeFigureOut">
               <a:rPr lang="en-US" smtClean="0"/>
-              <a:t>3/22/2016</a:t>
+              <a:t>4/19/2016</a:t>
             </a:fld>
             <a:endParaRPr lang="en-US"/>
           </a:p>
@@ -3025,7 +3120,7 @@
           <a:p>
             <a:fld id="{6FC6B282-9A11-4306-B264-2826A6534A10}" type="datetimeFigureOut">
               <a:rPr lang="en-US" smtClean="0"/>
-              <a:t>3/22/2016</a:t>
+              <a:t>4/19/2016</a:t>
             </a:fld>
             <a:endParaRPr lang="en-US"/>
           </a:p>
@@ -3302,7 +3397,7 @@
           <a:p>
             <a:fld id="{6FC6B282-9A11-4306-B264-2826A6534A10}" type="datetimeFigureOut">
               <a:rPr lang="en-US" smtClean="0"/>
-              <a:t>3/22/2016</a:t>
+              <a:t>4/19/2016</a:t>
             </a:fld>
             <a:endParaRPr lang="en-US"/>
           </a:p>
@@ -3555,7 +3650,7 @@
           <a:p>
             <a:fld id="{6FC6B282-9A11-4306-B264-2826A6534A10}" type="datetimeFigureOut">
               <a:rPr lang="en-US" smtClean="0"/>
-              <a:t>3/22/2016</a:t>
+              <a:t>4/19/2016</a:t>
             </a:fld>
             <a:endParaRPr lang="en-US"/>
           </a:p>
@@ -3768,7 +3863,7 @@
           <a:p>
             <a:fld id="{6FC6B282-9A11-4306-B264-2826A6534A10}" type="datetimeFigureOut">
               <a:rPr lang="en-US" smtClean="0"/>
-              <a:t>3/22/2016</a:t>
+              <a:t>4/19/2016</a:t>
             </a:fld>
             <a:endParaRPr lang="en-US"/>
           </a:p>
@@ -10132,6 +10227,1128 @@
 </p:sld>
 </file>
 
+<file path=ppt/slides/slide26.xml><?xml version="1.0" encoding="utf-8"?>
+<p:sld xmlns:a="http://schemas.openxmlformats.org/drawingml/2006/main" xmlns:r="http://schemas.openxmlformats.org/officeDocument/2006/relationships" xmlns:p="http://schemas.openxmlformats.org/presentationml/2006/main">
+  <p:cSld>
+    <p:spTree>
+      <p:nvGrpSpPr>
+        <p:cNvPr id="1" name=""/>
+        <p:cNvGrpSpPr/>
+        <p:nvPr/>
+      </p:nvGrpSpPr>
+      <p:grpSpPr>
+        <a:xfrm>
+          <a:off x="0" y="0"/>
+          <a:ext cx="0" cy="0"/>
+          <a:chOff x="0" y="0"/>
+          <a:chExt cx="0" cy="0"/>
+        </a:xfrm>
+      </p:grpSpPr>
+      <p:sp>
+        <p:nvSpPr>
+          <p:cNvPr id="4" name="Title 3"/>
+          <p:cNvSpPr>
+            <a:spLocks noGrp="1"/>
+          </p:cNvSpPr>
+          <p:nvPr>
+            <p:ph type="ctrTitle"/>
+          </p:nvPr>
+        </p:nvSpPr>
+        <p:spPr/>
+        <p:txBody>
+          <a:bodyPr/>
+          <a:lstStyle/>
+          <a:p>
+            <a:r>
+              <a:rPr lang="en-GB" dirty="0" smtClean="0"/>
+              <a:t>Node JS</a:t>
+            </a:r>
+            <a:endParaRPr lang="en-US" dirty="0"/>
+          </a:p>
+        </p:txBody>
+      </p:sp>
+      <p:sp>
+        <p:nvSpPr>
+          <p:cNvPr id="5" name="Subtitle 4"/>
+          <p:cNvSpPr>
+            <a:spLocks noGrp="1"/>
+          </p:cNvSpPr>
+          <p:nvPr>
+            <p:ph type="subTitle" idx="1"/>
+          </p:nvPr>
+        </p:nvSpPr>
+        <p:spPr/>
+        <p:txBody>
+          <a:bodyPr/>
+          <a:lstStyle/>
+          <a:p>
+            <a:endParaRPr lang="en-US"/>
+          </a:p>
+        </p:txBody>
+      </p:sp>
+    </p:spTree>
+    <p:extLst>
+      <p:ext uri="{BB962C8B-B14F-4D97-AF65-F5344CB8AC3E}">
+        <p14:creationId xmlns:p14="http://schemas.microsoft.com/office/powerpoint/2010/main" val="2192975521"/>
+      </p:ext>
+    </p:extLst>
+  </p:cSld>
+  <p:clrMapOvr>
+    <a:masterClrMapping/>
+  </p:clrMapOvr>
+</p:sld>
+</file>
+
+<file path=ppt/slides/slide27.xml><?xml version="1.0" encoding="utf-8"?>
+<p:sld xmlns:a="http://schemas.openxmlformats.org/drawingml/2006/main" xmlns:r="http://schemas.openxmlformats.org/officeDocument/2006/relationships" xmlns:p="http://schemas.openxmlformats.org/presentationml/2006/main">
+  <p:cSld>
+    <p:spTree>
+      <p:nvGrpSpPr>
+        <p:cNvPr id="1" name=""/>
+        <p:cNvGrpSpPr/>
+        <p:nvPr/>
+      </p:nvGrpSpPr>
+      <p:grpSpPr>
+        <a:xfrm>
+          <a:off x="0" y="0"/>
+          <a:ext cx="0" cy="0"/>
+          <a:chOff x="0" y="0"/>
+          <a:chExt cx="0" cy="0"/>
+        </a:xfrm>
+      </p:grpSpPr>
+      <p:sp>
+        <p:nvSpPr>
+          <p:cNvPr id="2" name="Title 1"/>
+          <p:cNvSpPr>
+            <a:spLocks noGrp="1"/>
+          </p:cNvSpPr>
+          <p:nvPr>
+            <p:ph type="title"/>
+          </p:nvPr>
+        </p:nvSpPr>
+        <p:spPr>
+          <a:xfrm>
+            <a:off x="395288" y="0"/>
+            <a:ext cx="10515600" cy="863600"/>
+          </a:xfrm>
+        </p:spPr>
+        <p:txBody>
+          <a:bodyPr/>
+          <a:lstStyle/>
+          <a:p>
+            <a:r>
+              <a:rPr lang="en-US" dirty="0" smtClean="0"/>
+              <a:t>Receiving Token </a:t>
+            </a:r>
+            <a:endParaRPr lang="en-US" dirty="0"/>
+          </a:p>
+        </p:txBody>
+      </p:sp>
+      <p:sp>
+        <p:nvSpPr>
+          <p:cNvPr id="4" name="Rectangle 3"/>
+          <p:cNvSpPr/>
+          <p:nvPr/>
+        </p:nvSpPr>
+        <p:spPr>
+          <a:xfrm>
+            <a:off x="2238375" y="863600"/>
+            <a:ext cx="8972550" cy="6001643"/>
+          </a:xfrm>
+          <a:prstGeom prst="rect">
+            <a:avLst/>
+          </a:prstGeom>
+        </p:spPr>
+        <p:txBody>
+          <a:bodyPr wrap="square">
+            <a:spAutoFit/>
+          </a:bodyPr>
+          <a:lstStyle/>
+          <a:p>
+            <a:r>
+              <a:rPr lang="en-US" sz="2400" dirty="0" err="1"/>
+              <a:t>var</a:t>
+            </a:r>
+            <a:r>
+              <a:rPr lang="en-US" sz="2400" dirty="0"/>
+              <a:t> </a:t>
+            </a:r>
+            <a:r>
+              <a:rPr lang="en-US" sz="2400" dirty="0" err="1"/>
+              <a:t>get_token</a:t>
+            </a:r>
+            <a:r>
+              <a:rPr lang="en-US" sz="2400" dirty="0"/>
+              <a:t>= function(username, password, </a:t>
+            </a:r>
+            <a:r>
+              <a:rPr lang="en-US" sz="2400" dirty="0" err="1"/>
+              <a:t>MyCallBack</a:t>
+            </a:r>
+            <a:r>
+              <a:rPr lang="en-US" sz="2400" dirty="0"/>
+              <a:t>){</a:t>
+            </a:r>
+          </a:p>
+          <a:p>
+            <a:r>
+              <a:rPr lang="en-US" sz="2400" dirty="0"/>
+              <a:t>    </a:t>
+            </a:r>
+          </a:p>
+          <a:p>
+            <a:r>
+              <a:rPr lang="en-US" sz="2400" dirty="0"/>
+              <a:t>    </a:t>
+            </a:r>
+            <a:r>
+              <a:rPr lang="en-US" sz="2400" dirty="0" err="1"/>
+              <a:t>var</a:t>
+            </a:r>
+            <a:r>
+              <a:rPr lang="en-US" sz="2400" dirty="0"/>
+              <a:t> </a:t>
+            </a:r>
+            <a:r>
+              <a:rPr lang="en-US" sz="2400" dirty="0" err="1"/>
+              <a:t>url</a:t>
+            </a:r>
+            <a:r>
+              <a:rPr lang="en-US" sz="2400" dirty="0"/>
+              <a:t> = </a:t>
+            </a:r>
+            <a:r>
+              <a:rPr lang="en-US" sz="2400" dirty="0" err="1"/>
+              <a:t>util.format</a:t>
+            </a:r>
+            <a:r>
+              <a:rPr lang="en-US" sz="2400" dirty="0"/>
+              <a:t>("%s/</a:t>
+            </a:r>
+            <a:r>
+              <a:rPr lang="en-US" sz="2400" dirty="0" err="1"/>
+              <a:t>auth</a:t>
+            </a:r>
+            <a:r>
+              <a:rPr lang="en-US" sz="2400" dirty="0"/>
+              <a:t>/token",</a:t>
+            </a:r>
+            <a:r>
+              <a:rPr lang="en-US" sz="2400" dirty="0" err="1"/>
+              <a:t>base_url</a:t>
+            </a:r>
+            <a:r>
+              <a:rPr lang="en-US" sz="2400" dirty="0"/>
+              <a:t>);</a:t>
+            </a:r>
+          </a:p>
+          <a:p>
+            <a:r>
+              <a:rPr lang="en-US" sz="2400" dirty="0"/>
+              <a:t>    </a:t>
+            </a:r>
+            <a:r>
+              <a:rPr lang="en-US" sz="2400" dirty="0" err="1"/>
+              <a:t>var</a:t>
+            </a:r>
+            <a:r>
+              <a:rPr lang="en-US" sz="2400" dirty="0"/>
+              <a:t> payload = {"username": username, "password": password};</a:t>
+            </a:r>
+          </a:p>
+          <a:p>
+            <a:r>
+              <a:rPr lang="en-US" sz="2400" dirty="0"/>
+              <a:t>    </a:t>
+            </a:r>
+            <a:r>
+              <a:rPr lang="en-US" sz="2400" dirty="0" err="1"/>
+              <a:t>var</a:t>
+            </a:r>
+            <a:r>
+              <a:rPr lang="en-US" sz="2400" dirty="0"/>
+              <a:t> token;</a:t>
+            </a:r>
+          </a:p>
+          <a:p>
+            <a:r>
+              <a:rPr lang="en-US" sz="2400" dirty="0"/>
+              <a:t>    </a:t>
+            </a:r>
+          </a:p>
+          <a:p>
+            <a:r>
+              <a:rPr lang="en-US" sz="2400" dirty="0"/>
+              <a:t>    </a:t>
+            </a:r>
+            <a:r>
+              <a:rPr lang="en-US" sz="2400" dirty="0" err="1"/>
+              <a:t>make_request</a:t>
+            </a:r>
+            <a:r>
+              <a:rPr lang="en-US" sz="2400" dirty="0"/>
+              <a:t>(</a:t>
+            </a:r>
+            <a:r>
+              <a:rPr lang="en-US" sz="2400" dirty="0" err="1"/>
+              <a:t>make_options</a:t>
+            </a:r>
+            <a:r>
+              <a:rPr lang="en-US" sz="2400" dirty="0"/>
+              <a:t>(</a:t>
+            </a:r>
+            <a:r>
+              <a:rPr lang="en-US" sz="2400" dirty="0" err="1"/>
+              <a:t>url</a:t>
+            </a:r>
+            <a:r>
+              <a:rPr lang="en-US" sz="2400" dirty="0"/>
+              <a:t>, "POST", payload), </a:t>
+            </a:r>
+          </a:p>
+          <a:p>
+            <a:r>
+              <a:rPr lang="en-US" sz="2400" dirty="0"/>
+              <a:t>            function(err, data){</a:t>
+            </a:r>
+          </a:p>
+          <a:p>
+            <a:r>
+              <a:rPr lang="en-US" sz="2400" dirty="0"/>
+              <a:t>                    if (err) </a:t>
+            </a:r>
+            <a:r>
+              <a:rPr lang="en-US" sz="2400" dirty="0" err="1"/>
+              <a:t>MyCallBack</a:t>
+            </a:r>
+            <a:r>
+              <a:rPr lang="en-US" sz="2400" dirty="0"/>
+              <a:t>(err);</a:t>
+            </a:r>
+          </a:p>
+          <a:p>
+            <a:r>
+              <a:rPr lang="en-US" sz="2400" dirty="0"/>
+              <a:t>                    if (data) {</a:t>
+            </a:r>
+          </a:p>
+          <a:p>
+            <a:r>
+              <a:rPr lang="en-US" sz="2400" dirty="0"/>
+              <a:t>                                token = </a:t>
+            </a:r>
+            <a:r>
+              <a:rPr lang="en-US" sz="2400" dirty="0" err="1"/>
+              <a:t>data.token</a:t>
+            </a:r>
+            <a:r>
+              <a:rPr lang="en-US" sz="2400" dirty="0" smtClean="0"/>
+              <a:t>; </a:t>
+            </a:r>
+            <a:r>
+              <a:rPr lang="en-US" sz="2400" dirty="0"/>
+              <a:t>		console.log("Token: " + token);</a:t>
+            </a:r>
+          </a:p>
+          <a:p>
+            <a:r>
+              <a:rPr lang="en-US" sz="2400" dirty="0"/>
+              <a:t>                                return </a:t>
+            </a:r>
+            <a:r>
+              <a:rPr lang="en-US" sz="2400" dirty="0" err="1"/>
+              <a:t>MyCallBack</a:t>
+            </a:r>
+            <a:r>
+              <a:rPr lang="en-US" sz="2400" dirty="0"/>
+              <a:t>(token);</a:t>
+            </a:r>
+          </a:p>
+          <a:p>
+            <a:r>
+              <a:rPr lang="en-US" sz="2400" dirty="0"/>
+              <a:t>                    }</a:t>
+            </a:r>
+          </a:p>
+          <a:p>
+            <a:r>
+              <a:rPr lang="en-US" sz="2400" dirty="0"/>
+              <a:t>            });</a:t>
+            </a:r>
+          </a:p>
+          <a:p>
+            <a:r>
+              <a:rPr lang="en-US" sz="2400" dirty="0"/>
+              <a:t>};</a:t>
+            </a:r>
+          </a:p>
+        </p:txBody>
+      </p:sp>
+    </p:spTree>
+    <p:extLst>
+      <p:ext uri="{BB962C8B-B14F-4D97-AF65-F5344CB8AC3E}">
+        <p14:creationId xmlns:p14="http://schemas.microsoft.com/office/powerpoint/2010/main" val="981141411"/>
+      </p:ext>
+    </p:extLst>
+  </p:cSld>
+  <p:clrMapOvr>
+    <a:masterClrMapping/>
+  </p:clrMapOvr>
+  <p:timing>
+    <p:tnLst>
+      <p:par>
+        <p:cTn id="1" dur="indefinite" restart="never" nodeType="tmRoot"/>
+      </p:par>
+    </p:tnLst>
+  </p:timing>
+</p:sld>
+</file>
+
+<file path=ppt/slides/slide28.xml><?xml version="1.0" encoding="utf-8"?>
+<p:sld xmlns:a="http://schemas.openxmlformats.org/drawingml/2006/main" xmlns:r="http://schemas.openxmlformats.org/officeDocument/2006/relationships" xmlns:p="http://schemas.openxmlformats.org/presentationml/2006/main">
+  <p:cSld>
+    <p:spTree>
+      <p:nvGrpSpPr>
+        <p:cNvPr id="1" name=""/>
+        <p:cNvGrpSpPr/>
+        <p:nvPr/>
+      </p:nvGrpSpPr>
+      <p:grpSpPr>
+        <a:xfrm>
+          <a:off x="0" y="0"/>
+          <a:ext cx="0" cy="0"/>
+          <a:chOff x="0" y="0"/>
+          <a:chExt cx="0" cy="0"/>
+        </a:xfrm>
+      </p:grpSpPr>
+      <p:sp>
+        <p:nvSpPr>
+          <p:cNvPr id="2" name="Title 1"/>
+          <p:cNvSpPr>
+            <a:spLocks noGrp="1"/>
+          </p:cNvSpPr>
+          <p:nvPr>
+            <p:ph type="title"/>
+          </p:nvPr>
+        </p:nvSpPr>
+        <p:spPr>
+          <a:xfrm>
+            <a:off x="838200" y="365126"/>
+            <a:ext cx="10515600" cy="763588"/>
+          </a:xfrm>
+        </p:spPr>
+        <p:txBody>
+          <a:bodyPr/>
+          <a:lstStyle/>
+          <a:p>
+            <a:r>
+              <a:rPr lang="en-US" dirty="0" smtClean="0"/>
+              <a:t>Getting Username </a:t>
+            </a:r>
+            <a:endParaRPr lang="en-US" dirty="0"/>
+          </a:p>
+        </p:txBody>
+      </p:sp>
+      <p:sp>
+        <p:nvSpPr>
+          <p:cNvPr id="4" name="Rectangle 3"/>
+          <p:cNvSpPr/>
+          <p:nvPr/>
+        </p:nvSpPr>
+        <p:spPr>
+          <a:xfrm>
+            <a:off x="2862262" y="1128714"/>
+            <a:ext cx="7939088" cy="5632311"/>
+          </a:xfrm>
+          <a:prstGeom prst="rect">
+            <a:avLst/>
+          </a:prstGeom>
+        </p:spPr>
+        <p:txBody>
+          <a:bodyPr wrap="square">
+            <a:spAutoFit/>
+          </a:bodyPr>
+          <a:lstStyle/>
+          <a:p>
+            <a:r>
+              <a:rPr lang="en-US" sz="2400" dirty="0" err="1"/>
+              <a:t>var</a:t>
+            </a:r>
+            <a:r>
+              <a:rPr lang="en-US" sz="2400" dirty="0"/>
+              <a:t> </a:t>
+            </a:r>
+            <a:r>
+              <a:rPr lang="en-US" sz="2400" dirty="0" err="1"/>
+              <a:t>get_user_id</a:t>
+            </a:r>
+            <a:r>
+              <a:rPr lang="en-US" sz="2400" dirty="0"/>
+              <a:t>=function(</a:t>
+            </a:r>
+            <a:r>
+              <a:rPr lang="en-US" sz="2400" dirty="0" err="1"/>
+              <a:t>token_t</a:t>
+            </a:r>
+            <a:r>
+              <a:rPr lang="en-US" sz="2400" dirty="0"/>
+              <a:t>, </a:t>
+            </a:r>
+            <a:r>
+              <a:rPr lang="en-US" sz="2400" dirty="0" err="1"/>
+              <a:t>MyCallBack</a:t>
+            </a:r>
+            <a:r>
+              <a:rPr lang="en-US" sz="2400" dirty="0"/>
+              <a:t>){</a:t>
+            </a:r>
+          </a:p>
+          <a:p>
+            <a:r>
+              <a:rPr lang="en-US" sz="2400" dirty="0"/>
+              <a:t>    </a:t>
+            </a:r>
+            <a:r>
+              <a:rPr lang="en-US" sz="2400" dirty="0" err="1"/>
+              <a:t>var</a:t>
+            </a:r>
+            <a:r>
+              <a:rPr lang="en-US" sz="2400" dirty="0"/>
+              <a:t> </a:t>
+            </a:r>
+            <a:r>
+              <a:rPr lang="en-US" sz="2400" dirty="0" err="1"/>
+              <a:t>url</a:t>
+            </a:r>
+            <a:r>
+              <a:rPr lang="en-US" sz="2400" dirty="0"/>
+              <a:t> = </a:t>
+            </a:r>
+            <a:r>
+              <a:rPr lang="en-US" sz="2400" dirty="0" err="1"/>
+              <a:t>util.format</a:t>
+            </a:r>
+            <a:r>
+              <a:rPr lang="en-US" sz="2400" dirty="0"/>
+              <a:t>("%s/</a:t>
+            </a:r>
+            <a:r>
+              <a:rPr lang="en-US" sz="2400" dirty="0" err="1"/>
+              <a:t>auth</a:t>
+            </a:r>
+            <a:r>
+              <a:rPr lang="en-US" sz="2400" dirty="0"/>
+              <a:t>/</a:t>
+            </a:r>
+            <a:r>
+              <a:rPr lang="en-US" sz="2400" dirty="0" err="1"/>
+              <a:t>tokenInfo</a:t>
+            </a:r>
+            <a:r>
+              <a:rPr lang="en-US" sz="2400" dirty="0"/>
+              <a:t>",</a:t>
+            </a:r>
+            <a:r>
+              <a:rPr lang="en-US" sz="2400" dirty="0" err="1"/>
+              <a:t>base_url</a:t>
+            </a:r>
+            <a:r>
+              <a:rPr lang="en-US" sz="2400" dirty="0"/>
+              <a:t>);</a:t>
+            </a:r>
+          </a:p>
+          <a:p>
+            <a:r>
+              <a:rPr lang="en-US" sz="2400" dirty="0"/>
+              <a:t>    </a:t>
+            </a:r>
+            <a:r>
+              <a:rPr lang="en-US" sz="2400" dirty="0" err="1"/>
+              <a:t>var</a:t>
+            </a:r>
+            <a:r>
+              <a:rPr lang="en-US" sz="2400" dirty="0"/>
+              <a:t> </a:t>
+            </a:r>
+            <a:r>
+              <a:rPr lang="en-US" sz="2400" dirty="0" err="1"/>
+              <a:t>user_id</a:t>
+            </a:r>
+            <a:r>
+              <a:rPr lang="en-US" sz="2400" dirty="0"/>
+              <a:t>;</a:t>
+            </a:r>
+          </a:p>
+          <a:p>
+            <a:r>
+              <a:rPr lang="en-US" sz="2400" dirty="0"/>
+              <a:t>    </a:t>
+            </a:r>
+            <a:r>
+              <a:rPr lang="en-US" sz="2400" dirty="0" err="1"/>
+              <a:t>var</a:t>
+            </a:r>
+            <a:r>
+              <a:rPr lang="en-US" sz="2400" dirty="0"/>
+              <a:t> payload={};</a:t>
+            </a:r>
+          </a:p>
+          <a:p>
+            <a:r>
+              <a:rPr lang="en-US" sz="2400" dirty="0"/>
+              <a:t>    </a:t>
+            </a:r>
+          </a:p>
+          <a:p>
+            <a:r>
+              <a:rPr lang="en-US" sz="2400" dirty="0"/>
+              <a:t>    </a:t>
+            </a:r>
+            <a:r>
+              <a:rPr lang="en-US" sz="2400" dirty="0" err="1"/>
+              <a:t>make_request</a:t>
+            </a:r>
+            <a:r>
+              <a:rPr lang="en-US" sz="2400" dirty="0"/>
+              <a:t>(</a:t>
+            </a:r>
+            <a:r>
+              <a:rPr lang="en-US" sz="2400" dirty="0" err="1"/>
+              <a:t>make_options</a:t>
+            </a:r>
+            <a:r>
+              <a:rPr lang="en-US" sz="2400" dirty="0"/>
+              <a:t>(</a:t>
+            </a:r>
+            <a:r>
+              <a:rPr lang="en-US" sz="2400" dirty="0" err="1"/>
+              <a:t>url</a:t>
+            </a:r>
+            <a:r>
+              <a:rPr lang="en-US" sz="2400" dirty="0"/>
+              <a:t>, "GET", </a:t>
+            </a:r>
+            <a:r>
+              <a:rPr lang="en-US" sz="2400" dirty="0" err="1"/>
+              <a:t>payload,token_t</a:t>
+            </a:r>
+            <a:r>
+              <a:rPr lang="en-US" sz="2400" dirty="0"/>
+              <a:t>), </a:t>
+            </a:r>
+          </a:p>
+          <a:p>
+            <a:r>
+              <a:rPr lang="en-US" sz="2400" dirty="0"/>
+              <a:t>            function(err, data){</a:t>
+            </a:r>
+          </a:p>
+          <a:p>
+            <a:r>
+              <a:rPr lang="en-US" sz="2400" dirty="0"/>
+              <a:t>                    if (err) </a:t>
+            </a:r>
+            <a:r>
+              <a:rPr lang="en-US" sz="2400" dirty="0" err="1"/>
+              <a:t>MyCallBack</a:t>
+            </a:r>
+            <a:r>
+              <a:rPr lang="en-US" sz="2400" dirty="0"/>
+              <a:t>(err);</a:t>
+            </a:r>
+          </a:p>
+          <a:p>
+            <a:r>
+              <a:rPr lang="en-US" sz="2400" dirty="0"/>
+              <a:t>                    if (data) {</a:t>
+            </a:r>
+          </a:p>
+          <a:p>
+            <a:r>
+              <a:rPr lang="en-US" sz="2400" dirty="0"/>
+              <a:t>                            </a:t>
+            </a:r>
+            <a:r>
+              <a:rPr lang="en-US" sz="2400" dirty="0" err="1"/>
+              <a:t>user_id</a:t>
+            </a:r>
+            <a:r>
+              <a:rPr lang="en-US" sz="2400" dirty="0"/>
+              <a:t> = </a:t>
+            </a:r>
+            <a:r>
+              <a:rPr lang="en-US" sz="2400" dirty="0" err="1"/>
+              <a:t>data.payload.sub</a:t>
+            </a:r>
+            <a:r>
+              <a:rPr lang="en-US" sz="2400" dirty="0"/>
+              <a:t>;</a:t>
+            </a:r>
+          </a:p>
+          <a:p>
+            <a:r>
+              <a:rPr lang="en-US" sz="2400" dirty="0"/>
+              <a:t>                            console.log("User Id: " + </a:t>
+            </a:r>
+            <a:r>
+              <a:rPr lang="en-US" sz="2400" dirty="0" err="1"/>
+              <a:t>user_id</a:t>
+            </a:r>
+            <a:r>
+              <a:rPr lang="en-US" sz="2400" dirty="0"/>
+              <a:t>);</a:t>
+            </a:r>
+          </a:p>
+          <a:p>
+            <a:r>
+              <a:rPr lang="en-US" sz="2400" dirty="0"/>
+              <a:t>	</a:t>
+            </a:r>
+            <a:r>
+              <a:rPr lang="en-US" sz="2400" dirty="0" smtClean="0"/>
+              <a:t>	return 	</a:t>
+            </a:r>
+            <a:r>
+              <a:rPr lang="en-US" sz="2400" dirty="0" err="1" smtClean="0"/>
+              <a:t>MyCallBack</a:t>
+            </a:r>
+            <a:r>
+              <a:rPr lang="en-US" sz="2400" dirty="0" smtClean="0"/>
+              <a:t>(</a:t>
+            </a:r>
+            <a:r>
+              <a:rPr lang="en-US" sz="2400" dirty="0" err="1" smtClean="0"/>
+              <a:t>user_id</a:t>
+            </a:r>
+            <a:r>
+              <a:rPr lang="en-US" sz="2400" dirty="0"/>
+              <a:t>);</a:t>
+            </a:r>
+          </a:p>
+          <a:p>
+            <a:r>
+              <a:rPr lang="en-US" sz="2400" dirty="0"/>
+              <a:t>                    }</a:t>
+            </a:r>
+          </a:p>
+          <a:p>
+            <a:r>
+              <a:rPr lang="en-US" sz="2400" dirty="0"/>
+              <a:t>            </a:t>
+            </a:r>
+            <a:r>
+              <a:rPr lang="en-US" sz="2400" dirty="0" smtClean="0"/>
+              <a:t>});</a:t>
+            </a:r>
+            <a:endParaRPr lang="en-US" sz="2400" dirty="0"/>
+          </a:p>
+          <a:p>
+            <a:r>
+              <a:rPr lang="en-US" sz="2400" dirty="0"/>
+              <a:t>};</a:t>
+            </a:r>
+          </a:p>
+        </p:txBody>
+      </p:sp>
+    </p:spTree>
+    <p:extLst>
+      <p:ext uri="{BB962C8B-B14F-4D97-AF65-F5344CB8AC3E}">
+        <p14:creationId xmlns:p14="http://schemas.microsoft.com/office/powerpoint/2010/main" val="50739888"/>
+      </p:ext>
+    </p:extLst>
+  </p:cSld>
+  <p:clrMapOvr>
+    <a:masterClrMapping/>
+  </p:clrMapOvr>
+  <p:timing>
+    <p:tnLst>
+      <p:par>
+        <p:cTn id="1" dur="indefinite" restart="never" nodeType="tmRoot"/>
+      </p:par>
+    </p:tnLst>
+  </p:timing>
+</p:sld>
+</file>
+
+<file path=ppt/slides/slide29.xml><?xml version="1.0" encoding="utf-8"?>
+<p:sld xmlns:a="http://schemas.openxmlformats.org/drawingml/2006/main" xmlns:r="http://schemas.openxmlformats.org/officeDocument/2006/relationships" xmlns:p="http://schemas.openxmlformats.org/presentationml/2006/main">
+  <p:cSld>
+    <p:spTree>
+      <p:nvGrpSpPr>
+        <p:cNvPr id="1" name=""/>
+        <p:cNvGrpSpPr/>
+        <p:nvPr/>
+      </p:nvGrpSpPr>
+      <p:grpSpPr>
+        <a:xfrm>
+          <a:off x="0" y="0"/>
+          <a:ext cx="0" cy="0"/>
+          <a:chOff x="0" y="0"/>
+          <a:chExt cx="0" cy="0"/>
+        </a:xfrm>
+      </p:grpSpPr>
+      <p:sp>
+        <p:nvSpPr>
+          <p:cNvPr id="2" name="Title 1"/>
+          <p:cNvSpPr>
+            <a:spLocks noGrp="1"/>
+          </p:cNvSpPr>
+          <p:nvPr>
+            <p:ph type="title"/>
+          </p:nvPr>
+        </p:nvSpPr>
+        <p:spPr>
+          <a:xfrm>
+            <a:off x="838200" y="365125"/>
+            <a:ext cx="10515600" cy="735013"/>
+          </a:xfrm>
+        </p:spPr>
+        <p:txBody>
+          <a:bodyPr/>
+          <a:lstStyle/>
+          <a:p>
+            <a:r>
+              <a:rPr lang="en-US" dirty="0" smtClean="0"/>
+              <a:t>Getting Account ID</a:t>
+            </a:r>
+            <a:endParaRPr lang="en-US" dirty="0"/>
+          </a:p>
+        </p:txBody>
+      </p:sp>
+      <p:sp>
+        <p:nvSpPr>
+          <p:cNvPr id="4" name="Rectangle 3"/>
+          <p:cNvSpPr/>
+          <p:nvPr/>
+        </p:nvSpPr>
+        <p:spPr>
+          <a:xfrm>
+            <a:off x="1776412" y="1315253"/>
+            <a:ext cx="9296401" cy="5262979"/>
+          </a:xfrm>
+          <a:prstGeom prst="rect">
+            <a:avLst/>
+          </a:prstGeom>
+        </p:spPr>
+        <p:txBody>
+          <a:bodyPr wrap="square">
+            <a:spAutoFit/>
+          </a:bodyPr>
+          <a:lstStyle/>
+          <a:p>
+            <a:r>
+              <a:rPr lang="en-US" sz="2400" dirty="0" err="1"/>
+              <a:t>var</a:t>
+            </a:r>
+            <a:r>
+              <a:rPr lang="en-US" sz="2400" dirty="0"/>
+              <a:t> </a:t>
+            </a:r>
+            <a:r>
+              <a:rPr lang="en-US" sz="2400" dirty="0" err="1"/>
+              <a:t>parse_account_id</a:t>
+            </a:r>
+            <a:r>
+              <a:rPr lang="en-US" sz="2400" dirty="0"/>
+              <a:t> = function(</a:t>
+            </a:r>
+            <a:r>
+              <a:rPr lang="en-US" sz="2400" dirty="0" err="1"/>
+              <a:t>obj,acn,MyCallBack</a:t>
+            </a:r>
+            <a:r>
+              <a:rPr lang="en-US" sz="2400" dirty="0"/>
+              <a:t>){</a:t>
+            </a:r>
+          </a:p>
+          <a:p>
+            <a:r>
+              <a:rPr lang="en-US" sz="2400" dirty="0"/>
+              <a:t>  </a:t>
+            </a:r>
+            <a:r>
+              <a:rPr lang="en-US" sz="2400" dirty="0" err="1"/>
+              <a:t>var</a:t>
+            </a:r>
+            <a:r>
+              <a:rPr lang="en-US" sz="2400" dirty="0"/>
+              <a:t> result = null;</a:t>
+            </a:r>
+          </a:p>
+          <a:p>
+            <a:r>
+              <a:rPr lang="en-US" sz="2400" dirty="0"/>
+              <a:t>  </a:t>
+            </a:r>
+            <a:r>
+              <a:rPr lang="en-US" sz="2400" dirty="0" err="1"/>
+              <a:t>Object.keys</a:t>
+            </a:r>
+            <a:r>
+              <a:rPr lang="en-US" sz="2400" dirty="0"/>
+              <a:t>(</a:t>
+            </a:r>
+            <a:r>
+              <a:rPr lang="en-US" sz="2400" dirty="0" err="1"/>
+              <a:t>obj</a:t>
+            </a:r>
+            <a:r>
+              <a:rPr lang="en-US" sz="2400" dirty="0"/>
+              <a:t>).</a:t>
+            </a:r>
+            <a:r>
+              <a:rPr lang="en-US" sz="2400" dirty="0" err="1"/>
+              <a:t>forEach</a:t>
+            </a:r>
+            <a:r>
+              <a:rPr lang="en-US" sz="2400" dirty="0"/>
+              <a:t>(function(</a:t>
+            </a:r>
+            <a:r>
+              <a:rPr lang="en-US" sz="2400" dirty="0" err="1"/>
+              <a:t>account_id</a:t>
+            </a:r>
+            <a:r>
+              <a:rPr lang="en-US" sz="2400" dirty="0"/>
+              <a:t>) {</a:t>
+            </a:r>
+          </a:p>
+          <a:p>
+            <a:r>
+              <a:rPr lang="en-US" sz="2400" dirty="0"/>
+              <a:t>    </a:t>
+            </a:r>
+            <a:r>
+              <a:rPr lang="en-US" sz="2400" dirty="0" err="1"/>
+              <a:t>var</a:t>
+            </a:r>
+            <a:r>
+              <a:rPr lang="en-US" sz="2400" dirty="0"/>
+              <a:t> </a:t>
+            </a:r>
+            <a:r>
+              <a:rPr lang="en-US" sz="2400" dirty="0" err="1"/>
+              <a:t>account_args</a:t>
+            </a:r>
+            <a:r>
+              <a:rPr lang="en-US" sz="2400" dirty="0"/>
+              <a:t> = </a:t>
+            </a:r>
+            <a:r>
+              <a:rPr lang="en-US" sz="2400" dirty="0" err="1"/>
+              <a:t>obj</a:t>
+            </a:r>
+            <a:r>
+              <a:rPr lang="en-US" sz="2400" dirty="0"/>
+              <a:t>[</a:t>
+            </a:r>
+            <a:r>
+              <a:rPr lang="en-US" sz="2400" dirty="0" err="1"/>
+              <a:t>account_id</a:t>
+            </a:r>
+            <a:r>
+              <a:rPr lang="en-US" sz="2400" dirty="0"/>
+              <a:t>];</a:t>
+            </a:r>
+          </a:p>
+          <a:p>
+            <a:r>
+              <a:rPr lang="en-US" sz="2400" dirty="0"/>
+              <a:t>    </a:t>
+            </a:r>
+            <a:r>
+              <a:rPr lang="en-US" sz="2400" dirty="0" err="1"/>
+              <a:t>Object.keys</a:t>
+            </a:r>
+            <a:r>
+              <a:rPr lang="en-US" sz="2400" dirty="0"/>
+              <a:t>(</a:t>
+            </a:r>
+            <a:r>
+              <a:rPr lang="en-US" sz="2400" dirty="0" err="1"/>
+              <a:t>account_args</a:t>
+            </a:r>
+            <a:r>
+              <a:rPr lang="en-US" sz="2400" dirty="0"/>
+              <a:t>).</a:t>
+            </a:r>
+            <a:r>
+              <a:rPr lang="en-US" sz="2400" dirty="0" err="1"/>
+              <a:t>forEach</a:t>
+            </a:r>
+            <a:r>
+              <a:rPr lang="en-US" sz="2400" dirty="0"/>
+              <a:t>(function(</a:t>
+            </a:r>
+            <a:r>
+              <a:rPr lang="en-US" sz="2400" dirty="0" err="1"/>
+              <a:t>arg</a:t>
+            </a:r>
+            <a:r>
+              <a:rPr lang="en-US" sz="2400" dirty="0"/>
+              <a:t>) {</a:t>
+            </a:r>
+          </a:p>
+          <a:p>
+            <a:r>
+              <a:rPr lang="en-US" sz="2400" dirty="0"/>
+              <a:t>      </a:t>
+            </a:r>
+            <a:r>
+              <a:rPr lang="en-US" sz="2400" dirty="0" smtClean="0"/>
+              <a:t>	</a:t>
+            </a:r>
+            <a:r>
+              <a:rPr lang="en-US" sz="2400" dirty="0" err="1" smtClean="0"/>
+              <a:t>var</a:t>
+            </a:r>
+            <a:r>
+              <a:rPr lang="en-US" sz="2400" dirty="0" smtClean="0"/>
+              <a:t> </a:t>
+            </a:r>
+            <a:r>
+              <a:rPr lang="en-US" sz="2400" dirty="0" err="1"/>
+              <a:t>arg_val</a:t>
+            </a:r>
+            <a:r>
+              <a:rPr lang="en-US" sz="2400" dirty="0"/>
+              <a:t> = </a:t>
+            </a:r>
+            <a:r>
+              <a:rPr lang="en-US" sz="2400" dirty="0" err="1"/>
+              <a:t>account_args</a:t>
+            </a:r>
+            <a:r>
+              <a:rPr lang="en-US" sz="2400" dirty="0"/>
+              <a:t>[</a:t>
+            </a:r>
+            <a:r>
+              <a:rPr lang="en-US" sz="2400" dirty="0" err="1"/>
+              <a:t>arg</a:t>
+            </a:r>
+            <a:r>
+              <a:rPr lang="en-US" sz="2400" dirty="0"/>
+              <a:t>];</a:t>
+            </a:r>
+          </a:p>
+          <a:p>
+            <a:r>
+              <a:rPr lang="en-US" sz="2400" dirty="0"/>
+              <a:t>      if (</a:t>
+            </a:r>
+            <a:r>
+              <a:rPr lang="en-US" sz="2400" dirty="0" err="1"/>
+              <a:t>arg</a:t>
+            </a:r>
+            <a:r>
+              <a:rPr lang="en-US" sz="2400" dirty="0"/>
+              <a:t> == "name" &amp;&amp; </a:t>
+            </a:r>
+            <a:r>
+              <a:rPr lang="en-US" sz="2400" dirty="0" err="1"/>
+              <a:t>arg_val</a:t>
+            </a:r>
+            <a:r>
+              <a:rPr lang="en-US" sz="2400" dirty="0"/>
+              <a:t> == </a:t>
+            </a:r>
+            <a:r>
+              <a:rPr lang="en-US" sz="2400" dirty="0" err="1"/>
+              <a:t>acn</a:t>
+            </a:r>
+            <a:r>
+              <a:rPr lang="en-US" sz="2400" dirty="0"/>
+              <a:t>){</a:t>
+            </a:r>
+          </a:p>
+          <a:p>
+            <a:r>
+              <a:rPr lang="en-US" sz="2400" dirty="0"/>
+              <a:t>        //console.log("2. Account Id:"+</a:t>
+            </a:r>
+            <a:r>
+              <a:rPr lang="en-US" sz="2400" dirty="0" err="1"/>
+              <a:t>account_id</a:t>
+            </a:r>
+            <a:r>
+              <a:rPr lang="en-US" sz="2400" dirty="0"/>
+              <a:t>);  </a:t>
+            </a:r>
+          </a:p>
+          <a:p>
+            <a:r>
+              <a:rPr lang="en-US" sz="2400" dirty="0"/>
+              <a:t>        result = </a:t>
+            </a:r>
+            <a:r>
+              <a:rPr lang="en-US" sz="2400" dirty="0" err="1"/>
+              <a:t>account_id</a:t>
+            </a:r>
+            <a:r>
+              <a:rPr lang="en-US" sz="2400" dirty="0"/>
+              <a:t>;</a:t>
+            </a:r>
+          </a:p>
+          <a:p>
+            <a:r>
+              <a:rPr lang="en-US" sz="2400" dirty="0"/>
+              <a:t>		return </a:t>
+            </a:r>
+            <a:r>
+              <a:rPr lang="en-US" sz="2400" dirty="0" err="1"/>
+              <a:t>MyCallBack</a:t>
+            </a:r>
+            <a:r>
+              <a:rPr lang="en-US" sz="2400" dirty="0"/>
+              <a:t>(result);</a:t>
+            </a:r>
+          </a:p>
+          <a:p>
+            <a:r>
+              <a:rPr lang="en-US" sz="2400" dirty="0"/>
+              <a:t>      }</a:t>
+            </a:r>
+          </a:p>
+          <a:p>
+            <a:r>
+              <a:rPr lang="en-US" sz="2400" dirty="0"/>
+              <a:t>    });</a:t>
+            </a:r>
+          </a:p>
+          <a:p>
+            <a:r>
+              <a:rPr lang="en-US" sz="2400" dirty="0"/>
+              <a:t>  });</a:t>
+            </a:r>
+          </a:p>
+          <a:p>
+            <a:r>
+              <a:rPr lang="en-US" sz="2400" dirty="0"/>
+              <a:t>};</a:t>
+            </a:r>
+          </a:p>
+        </p:txBody>
+      </p:sp>
+    </p:spTree>
+    <p:extLst>
+      <p:ext uri="{BB962C8B-B14F-4D97-AF65-F5344CB8AC3E}">
+        <p14:creationId xmlns:p14="http://schemas.microsoft.com/office/powerpoint/2010/main" val="1622979605"/>
+      </p:ext>
+    </p:extLst>
+  </p:cSld>
+  <p:clrMapOvr>
+    <a:masterClrMapping/>
+  </p:clrMapOvr>
+  <p:timing>
+    <p:tnLst>
+      <p:par>
+        <p:cTn id="1" dur="indefinite" restart="never" nodeType="tmRoot"/>
+      </p:par>
+    </p:tnLst>
+  </p:timing>
+</p:sld>
+</file>
+
 <file path=ppt/slides/slide3.xml><?xml version="1.0" encoding="utf-8"?>
 <p:sld xmlns:a="http://schemas.openxmlformats.org/drawingml/2006/main" xmlns:r="http://schemas.openxmlformats.org/officeDocument/2006/relationships" xmlns:p="http://schemas.openxmlformats.org/presentationml/2006/main">
   <p:cSld>
@@ -10411,6 +11628,1902 @@
     <p:extLst>
       <p:ext uri="{BB962C8B-B14F-4D97-AF65-F5344CB8AC3E}">
         <p14:creationId xmlns:p14="http://schemas.microsoft.com/office/powerpoint/2010/main" val="3395558024"/>
+      </p:ext>
+    </p:extLst>
+  </p:cSld>
+  <p:clrMapOvr>
+    <a:masterClrMapping/>
+  </p:clrMapOvr>
+  <p:timing>
+    <p:tnLst>
+      <p:par>
+        <p:cTn id="1" dur="indefinite" restart="never" nodeType="tmRoot"/>
+      </p:par>
+    </p:tnLst>
+  </p:timing>
+</p:sld>
+</file>
+
+<file path=ppt/slides/slide30.xml><?xml version="1.0" encoding="utf-8"?>
+<p:sld xmlns:a="http://schemas.openxmlformats.org/drawingml/2006/main" xmlns:r="http://schemas.openxmlformats.org/officeDocument/2006/relationships" xmlns:p="http://schemas.openxmlformats.org/presentationml/2006/main">
+  <p:cSld>
+    <p:spTree>
+      <p:nvGrpSpPr>
+        <p:cNvPr id="1" name=""/>
+        <p:cNvGrpSpPr/>
+        <p:nvPr/>
+      </p:nvGrpSpPr>
+      <p:grpSpPr>
+        <a:xfrm>
+          <a:off x="0" y="0"/>
+          <a:ext cx="0" cy="0"/>
+          <a:chOff x="0" y="0"/>
+          <a:chExt cx="0" cy="0"/>
+        </a:xfrm>
+      </p:grpSpPr>
+      <p:sp>
+        <p:nvSpPr>
+          <p:cNvPr id="2" name="Title 1"/>
+          <p:cNvSpPr>
+            <a:spLocks noGrp="1"/>
+          </p:cNvSpPr>
+          <p:nvPr>
+            <p:ph type="title"/>
+          </p:nvPr>
+        </p:nvSpPr>
+        <p:spPr>
+          <a:xfrm>
+            <a:off x="323850" y="107951"/>
+            <a:ext cx="10515600" cy="920750"/>
+          </a:xfrm>
+        </p:spPr>
+        <p:txBody>
+          <a:bodyPr/>
+          <a:lstStyle/>
+          <a:p>
+            <a:r>
+              <a:rPr lang="en-US" dirty="0" smtClean="0"/>
+              <a:t>Pulling Observations</a:t>
+            </a:r>
+            <a:endParaRPr lang="en-US" dirty="0"/>
+          </a:p>
+        </p:txBody>
+      </p:sp>
+      <p:sp>
+        <p:nvSpPr>
+          <p:cNvPr id="3" name="Content Placeholder 2"/>
+          <p:cNvSpPr>
+            <a:spLocks noGrp="1"/>
+          </p:cNvSpPr>
+          <p:nvPr>
+            <p:ph idx="1"/>
+          </p:nvPr>
+        </p:nvSpPr>
+        <p:spPr>
+          <a:xfrm>
+            <a:off x="881062" y="1028701"/>
+            <a:ext cx="10515600" cy="4562475"/>
+          </a:xfrm>
+        </p:spPr>
+        <p:txBody>
+          <a:bodyPr>
+            <a:noAutofit/>
+          </a:bodyPr>
+          <a:lstStyle/>
+          <a:p>
+            <a:pPr marL="0" indent="0">
+              <a:buNone/>
+            </a:pPr>
+            <a:r>
+              <a:rPr lang="en-US" sz="1800" dirty="0" err="1"/>
+              <a:t>var</a:t>
+            </a:r>
+            <a:r>
+              <a:rPr lang="en-US" sz="1800" dirty="0"/>
+              <a:t> </a:t>
+            </a:r>
+            <a:r>
+              <a:rPr lang="en-US" sz="1800" dirty="0" err="1"/>
+              <a:t>get_observation</a:t>
+            </a:r>
+            <a:r>
+              <a:rPr lang="en-US" sz="1800" dirty="0"/>
+              <a:t>=function(</a:t>
+            </a:r>
+            <a:r>
+              <a:rPr lang="en-US" sz="1800" dirty="0" err="1"/>
+              <a:t>account_id</a:t>
+            </a:r>
+            <a:r>
+              <a:rPr lang="en-US" sz="1800" dirty="0"/>
+              <a:t>, </a:t>
+            </a:r>
+            <a:r>
+              <a:rPr lang="en-US" sz="1800" dirty="0" err="1"/>
+              <a:t>devic_id</a:t>
+            </a:r>
+            <a:r>
+              <a:rPr lang="en-US" sz="1800" dirty="0"/>
+              <a:t>, </a:t>
+            </a:r>
+            <a:r>
+              <a:rPr lang="en-US" sz="1800" dirty="0" err="1"/>
+              <a:t>component_id,period,token_t</a:t>
+            </a:r>
+            <a:r>
+              <a:rPr lang="en-US" sz="1800" dirty="0"/>
+              <a:t>, </a:t>
+            </a:r>
+            <a:r>
+              <a:rPr lang="en-US" sz="1800" dirty="0" err="1"/>
+              <a:t>MyCallBack</a:t>
+            </a:r>
+            <a:r>
+              <a:rPr lang="en-US" sz="1800" dirty="0"/>
+              <a:t>){</a:t>
+            </a:r>
+          </a:p>
+          <a:p>
+            <a:pPr marL="0" indent="0">
+              <a:buNone/>
+            </a:pPr>
+            <a:r>
+              <a:rPr lang="en-US" sz="1800" dirty="0"/>
+              <a:t>    </a:t>
+            </a:r>
+          </a:p>
+          <a:p>
+            <a:pPr marL="0" indent="0">
+              <a:buNone/>
+            </a:pPr>
+            <a:r>
+              <a:rPr lang="en-US" sz="1800" dirty="0"/>
+              <a:t>    </a:t>
+            </a:r>
+            <a:r>
+              <a:rPr lang="en-US" sz="1800" dirty="0" err="1"/>
+              <a:t>var</a:t>
+            </a:r>
+            <a:r>
+              <a:rPr lang="en-US" sz="1800" dirty="0"/>
+              <a:t> </a:t>
+            </a:r>
+            <a:r>
+              <a:rPr lang="en-US" sz="1800" dirty="0" err="1"/>
+              <a:t>url</a:t>
+            </a:r>
+            <a:r>
+              <a:rPr lang="en-US" sz="1800" dirty="0"/>
+              <a:t> = </a:t>
+            </a:r>
+            <a:r>
+              <a:rPr lang="en-US" sz="1800" dirty="0" err="1"/>
+              <a:t>util.format</a:t>
+            </a:r>
+            <a:r>
+              <a:rPr lang="en-US" sz="1800" dirty="0"/>
+              <a:t>("%s/accounts/%s/data/search",</a:t>
+            </a:r>
+            <a:r>
+              <a:rPr lang="en-US" sz="1800" dirty="0" err="1"/>
+              <a:t>base_url,account_id</a:t>
+            </a:r>
+            <a:r>
+              <a:rPr lang="en-US" sz="1800" dirty="0"/>
+              <a:t>);</a:t>
+            </a:r>
+          </a:p>
+          <a:p>
+            <a:pPr marL="0" indent="0">
+              <a:buNone/>
+            </a:pPr>
+            <a:r>
+              <a:rPr lang="en-US" sz="1800" dirty="0"/>
+              <a:t>    //</a:t>
+            </a:r>
+            <a:r>
+              <a:rPr lang="en-US" sz="1800" dirty="0" err="1"/>
+              <a:t>var</a:t>
+            </a:r>
+            <a:r>
+              <a:rPr lang="en-US" sz="1800" dirty="0"/>
+              <a:t> dataset;</a:t>
+            </a:r>
+          </a:p>
+          <a:p>
+            <a:pPr marL="0" indent="0">
+              <a:buNone/>
+            </a:pPr>
+            <a:r>
+              <a:rPr lang="en-US" sz="1800" dirty="0"/>
+              <a:t>    </a:t>
+            </a:r>
+            <a:r>
+              <a:rPr lang="en-US" sz="1800" dirty="0" err="1"/>
+              <a:t>var</a:t>
+            </a:r>
+            <a:r>
+              <a:rPr lang="en-US" sz="1800" dirty="0"/>
+              <a:t> search = {</a:t>
+            </a:r>
+          </a:p>
+          <a:p>
+            <a:pPr marL="0" indent="0">
+              <a:buNone/>
+            </a:pPr>
+            <a:r>
+              <a:rPr lang="en-US" sz="1800" dirty="0"/>
+              <a:t>        "from": period,</a:t>
+            </a:r>
+          </a:p>
+          <a:p>
+            <a:pPr marL="0" indent="0">
+              <a:buNone/>
+            </a:pPr>
+            <a:r>
+              <a:rPr lang="en-US" sz="1800" dirty="0"/>
+              <a:t>        "</a:t>
+            </a:r>
+            <a:r>
+              <a:rPr lang="en-US" sz="1800" dirty="0" err="1"/>
+              <a:t>targetFilter</a:t>
+            </a:r>
+            <a:r>
+              <a:rPr lang="en-US" sz="1800" dirty="0"/>
+              <a:t>": {</a:t>
+            </a:r>
+          </a:p>
+          <a:p>
+            <a:pPr marL="0" indent="0">
+              <a:buNone/>
+            </a:pPr>
+            <a:r>
+              <a:rPr lang="en-US" sz="1800" dirty="0"/>
+              <a:t>            "</a:t>
+            </a:r>
+            <a:r>
+              <a:rPr lang="en-US" sz="1800" dirty="0" err="1"/>
+              <a:t>deviceList</a:t>
+            </a:r>
+            <a:r>
+              <a:rPr lang="en-US" sz="1800" dirty="0"/>
+              <a:t>": [</a:t>
+            </a:r>
+            <a:r>
+              <a:rPr lang="en-US" sz="1800" dirty="0" err="1"/>
+              <a:t>g_device_id</a:t>
+            </a:r>
+            <a:r>
+              <a:rPr lang="en-US" sz="1800" dirty="0"/>
+              <a:t>]</a:t>
+            </a:r>
+          </a:p>
+          <a:p>
+            <a:pPr marL="0" indent="0">
+              <a:buNone/>
+            </a:pPr>
+            <a:r>
+              <a:rPr lang="en-US" sz="1800" dirty="0"/>
+              <a:t>        },</a:t>
+            </a:r>
+          </a:p>
+          <a:p>
+            <a:pPr marL="0" indent="0">
+              <a:buNone/>
+            </a:pPr>
+            <a:r>
+              <a:rPr lang="en-US" sz="1800" dirty="0"/>
+              <a:t>        "metrics": [</a:t>
+            </a:r>
+          </a:p>
+          <a:p>
+            <a:pPr marL="0" indent="0">
+              <a:buNone/>
+            </a:pPr>
+            <a:r>
+              <a:rPr lang="en-US" sz="1800" dirty="0"/>
+              <a:t>            {</a:t>
+            </a:r>
+          </a:p>
+          <a:p>
+            <a:pPr marL="0" indent="0">
+              <a:buNone/>
+            </a:pPr>
+            <a:r>
+              <a:rPr lang="en-US" sz="1800" dirty="0"/>
+              <a:t>                "id": </a:t>
+            </a:r>
+            <a:r>
+              <a:rPr lang="en-US" sz="1800" dirty="0" err="1"/>
+              <a:t>component_id</a:t>
+            </a:r>
+            <a:endParaRPr lang="en-US" sz="1800" dirty="0"/>
+          </a:p>
+          <a:p>
+            <a:pPr marL="0" indent="0">
+              <a:buNone/>
+            </a:pPr>
+            <a:r>
+              <a:rPr lang="en-US" sz="1800" dirty="0"/>
+              <a:t>            }</a:t>
+            </a:r>
+          </a:p>
+          <a:p>
+            <a:pPr marL="0" indent="0">
+              <a:buNone/>
+            </a:pPr>
+            <a:r>
+              <a:rPr lang="en-US" sz="1800" dirty="0"/>
+              <a:t>        ]</a:t>
+            </a:r>
+          </a:p>
+          <a:p>
+            <a:pPr marL="0" indent="0">
+              <a:buNone/>
+            </a:pPr>
+            <a:r>
+              <a:rPr lang="en-US" sz="1800" dirty="0"/>
+              <a:t>    };</a:t>
+            </a:r>
+          </a:p>
+        </p:txBody>
+      </p:sp>
+    </p:spTree>
+    <p:extLst>
+      <p:ext uri="{BB962C8B-B14F-4D97-AF65-F5344CB8AC3E}">
+        <p14:creationId xmlns:p14="http://schemas.microsoft.com/office/powerpoint/2010/main" val="386869046"/>
+      </p:ext>
+    </p:extLst>
+  </p:cSld>
+  <p:clrMapOvr>
+    <a:masterClrMapping/>
+  </p:clrMapOvr>
+  <p:timing>
+    <p:tnLst>
+      <p:par>
+        <p:cTn id="1" dur="indefinite" restart="never" nodeType="tmRoot"/>
+      </p:par>
+    </p:tnLst>
+  </p:timing>
+</p:sld>
+</file>
+
+<file path=ppt/slides/slide31.xml><?xml version="1.0" encoding="utf-8"?>
+<p:sld xmlns:a="http://schemas.openxmlformats.org/drawingml/2006/main" xmlns:r="http://schemas.openxmlformats.org/officeDocument/2006/relationships" xmlns:p="http://schemas.openxmlformats.org/presentationml/2006/main">
+  <p:cSld>
+    <p:spTree>
+      <p:nvGrpSpPr>
+        <p:cNvPr id="1" name=""/>
+        <p:cNvGrpSpPr/>
+        <p:nvPr/>
+      </p:nvGrpSpPr>
+      <p:grpSpPr>
+        <a:xfrm>
+          <a:off x="0" y="0"/>
+          <a:ext cx="0" cy="0"/>
+          <a:chOff x="0" y="0"/>
+          <a:chExt cx="0" cy="0"/>
+        </a:xfrm>
+      </p:grpSpPr>
+      <p:sp>
+        <p:nvSpPr>
+          <p:cNvPr id="2" name="Title 1"/>
+          <p:cNvSpPr>
+            <a:spLocks noGrp="1"/>
+          </p:cNvSpPr>
+          <p:nvPr>
+            <p:ph type="title"/>
+          </p:nvPr>
+        </p:nvSpPr>
+        <p:spPr>
+          <a:xfrm>
+            <a:off x="323850" y="107951"/>
+            <a:ext cx="10515600" cy="920750"/>
+          </a:xfrm>
+        </p:spPr>
+        <p:txBody>
+          <a:bodyPr/>
+          <a:lstStyle/>
+          <a:p>
+            <a:r>
+              <a:rPr lang="en-US" dirty="0" smtClean="0"/>
+              <a:t>Pulling Observations</a:t>
+            </a:r>
+            <a:endParaRPr lang="en-US" dirty="0"/>
+          </a:p>
+        </p:txBody>
+      </p:sp>
+      <p:sp>
+        <p:nvSpPr>
+          <p:cNvPr id="5" name="Rectangle 4"/>
+          <p:cNvSpPr/>
+          <p:nvPr/>
+        </p:nvSpPr>
+        <p:spPr>
+          <a:xfrm>
+            <a:off x="1990725" y="1792277"/>
+            <a:ext cx="9239250" cy="3046988"/>
+          </a:xfrm>
+          <a:prstGeom prst="rect">
+            <a:avLst/>
+          </a:prstGeom>
+        </p:spPr>
+        <p:txBody>
+          <a:bodyPr wrap="square">
+            <a:spAutoFit/>
+          </a:bodyPr>
+          <a:lstStyle/>
+          <a:p>
+            <a:r>
+              <a:rPr lang="en-US" sz="2400" dirty="0" err="1"/>
+              <a:t>make_request</a:t>
+            </a:r>
+            <a:r>
+              <a:rPr lang="en-US" sz="2400" dirty="0"/>
+              <a:t>(</a:t>
+            </a:r>
+            <a:r>
+              <a:rPr lang="en-US" sz="2400" dirty="0" err="1"/>
+              <a:t>make_options</a:t>
+            </a:r>
+            <a:r>
+              <a:rPr lang="en-US" sz="2400" dirty="0"/>
+              <a:t>(</a:t>
+            </a:r>
+            <a:r>
+              <a:rPr lang="en-US" sz="2400" dirty="0" err="1"/>
+              <a:t>url</a:t>
+            </a:r>
+            <a:r>
+              <a:rPr lang="en-US" sz="2400" dirty="0"/>
+              <a:t>, "POST", search, </a:t>
+            </a:r>
+            <a:r>
+              <a:rPr lang="en-US" sz="2400" dirty="0" err="1"/>
+              <a:t>token_t</a:t>
+            </a:r>
+            <a:r>
+              <a:rPr lang="en-US" sz="2400" dirty="0"/>
+              <a:t>), </a:t>
+            </a:r>
+          </a:p>
+          <a:p>
+            <a:r>
+              <a:rPr lang="en-US" sz="2400" dirty="0"/>
+              <a:t>        function(err, data){</a:t>
+            </a:r>
+          </a:p>
+          <a:p>
+            <a:r>
+              <a:rPr lang="en-US" sz="2400" dirty="0"/>
+              <a:t>                if (err) </a:t>
+            </a:r>
+            <a:r>
+              <a:rPr lang="en-US" sz="2400" dirty="0" err="1"/>
+              <a:t>MyCallBack</a:t>
+            </a:r>
+            <a:r>
+              <a:rPr lang="en-US" sz="2400" dirty="0"/>
+              <a:t>(err);</a:t>
+            </a:r>
+          </a:p>
+          <a:p>
+            <a:r>
+              <a:rPr lang="en-US" sz="2400" dirty="0"/>
+              <a:t>                if (data) </a:t>
+            </a:r>
+            <a:r>
+              <a:rPr lang="en-US" sz="2400" dirty="0" smtClean="0"/>
+              <a:t>{</a:t>
+            </a:r>
+            <a:r>
+              <a:rPr lang="en-US" sz="2400" dirty="0"/>
+              <a:t>		</a:t>
+            </a:r>
+            <a:endParaRPr lang="en-US" sz="2400" dirty="0" smtClean="0"/>
+          </a:p>
+          <a:p>
+            <a:endParaRPr lang="en-US" sz="2400" dirty="0"/>
+          </a:p>
+          <a:p>
+            <a:r>
+              <a:rPr lang="en-US" sz="2400" dirty="0" smtClean="0"/>
+              <a:t>		return </a:t>
+            </a:r>
+            <a:r>
+              <a:rPr lang="en-US" sz="2400" dirty="0" err="1"/>
+              <a:t>MyCallBack</a:t>
+            </a:r>
+            <a:r>
+              <a:rPr lang="en-US" sz="2400" dirty="0"/>
+              <a:t>(</a:t>
+            </a:r>
+            <a:r>
+              <a:rPr lang="en-US" sz="2400" dirty="0" err="1"/>
+              <a:t>JSON.stringify</a:t>
+            </a:r>
+            <a:r>
+              <a:rPr lang="en-US" sz="2400" dirty="0"/>
+              <a:t>(data</a:t>
+            </a:r>
+            <a:r>
+              <a:rPr lang="en-US" sz="2400" dirty="0" smtClean="0"/>
+              <a:t>)); </a:t>
+            </a:r>
+            <a:r>
+              <a:rPr lang="en-US" sz="2400" dirty="0"/>
+              <a:t>}</a:t>
+            </a:r>
+          </a:p>
+          <a:p>
+            <a:r>
+              <a:rPr lang="en-US" sz="2400" dirty="0"/>
+              <a:t>        });</a:t>
+            </a:r>
+          </a:p>
+          <a:p>
+            <a:r>
+              <a:rPr lang="en-US" sz="2400" dirty="0"/>
+              <a:t>};</a:t>
+            </a:r>
+          </a:p>
+        </p:txBody>
+      </p:sp>
+    </p:spTree>
+    <p:extLst>
+      <p:ext uri="{BB962C8B-B14F-4D97-AF65-F5344CB8AC3E}">
+        <p14:creationId xmlns:p14="http://schemas.microsoft.com/office/powerpoint/2010/main" val="1019488459"/>
+      </p:ext>
+    </p:extLst>
+  </p:cSld>
+  <p:clrMapOvr>
+    <a:masterClrMapping/>
+  </p:clrMapOvr>
+  <p:timing>
+    <p:tnLst>
+      <p:par>
+        <p:cTn id="1" dur="indefinite" restart="never" nodeType="tmRoot"/>
+      </p:par>
+    </p:tnLst>
+  </p:timing>
+</p:sld>
+</file>
+
+<file path=ppt/slides/slide32.xml><?xml version="1.0" encoding="utf-8"?>
+<p:sld xmlns:a="http://schemas.openxmlformats.org/drawingml/2006/main" xmlns:r="http://schemas.openxmlformats.org/officeDocument/2006/relationships" xmlns:p="http://schemas.openxmlformats.org/presentationml/2006/main">
+  <p:cSld>
+    <p:spTree>
+      <p:nvGrpSpPr>
+        <p:cNvPr id="1" name=""/>
+        <p:cNvGrpSpPr/>
+        <p:nvPr/>
+      </p:nvGrpSpPr>
+      <p:grpSpPr>
+        <a:xfrm>
+          <a:off x="0" y="0"/>
+          <a:ext cx="0" cy="0"/>
+          <a:chOff x="0" y="0"/>
+          <a:chExt cx="0" cy="0"/>
+        </a:xfrm>
+      </p:grpSpPr>
+      <p:sp>
+        <p:nvSpPr>
+          <p:cNvPr id="2" name="Title 1"/>
+          <p:cNvSpPr>
+            <a:spLocks noGrp="1"/>
+          </p:cNvSpPr>
+          <p:nvPr>
+            <p:ph type="title"/>
+          </p:nvPr>
+        </p:nvSpPr>
+        <p:spPr>
+          <a:xfrm>
+            <a:off x="838200" y="0"/>
+            <a:ext cx="10515600" cy="1325563"/>
+          </a:xfrm>
+        </p:spPr>
+        <p:txBody>
+          <a:bodyPr/>
+          <a:lstStyle/>
+          <a:p>
+            <a:r>
+              <a:rPr lang="en-US" dirty="0" smtClean="0"/>
+              <a:t>Print Observation</a:t>
+            </a:r>
+            <a:endParaRPr lang="en-US" dirty="0"/>
+          </a:p>
+        </p:txBody>
+      </p:sp>
+      <p:sp>
+        <p:nvSpPr>
+          <p:cNvPr id="4" name="Rectangle 3"/>
+          <p:cNvSpPr/>
+          <p:nvPr/>
+        </p:nvSpPr>
+        <p:spPr>
+          <a:xfrm>
+            <a:off x="2447924" y="2275998"/>
+            <a:ext cx="7967663" cy="2246769"/>
+          </a:xfrm>
+          <a:prstGeom prst="rect">
+            <a:avLst/>
+          </a:prstGeom>
+        </p:spPr>
+        <p:txBody>
+          <a:bodyPr wrap="square">
+            <a:spAutoFit/>
+          </a:bodyPr>
+          <a:lstStyle/>
+          <a:p>
+            <a:r>
+              <a:rPr lang="en-US" sz="2800" dirty="0" err="1"/>
+              <a:t>var</a:t>
+            </a:r>
+            <a:r>
+              <a:rPr lang="en-US" sz="2800" dirty="0"/>
+              <a:t> </a:t>
+            </a:r>
+            <a:r>
+              <a:rPr lang="en-US" sz="2800" dirty="0" err="1"/>
+              <a:t>print_observation_counts</a:t>
+            </a:r>
+            <a:r>
+              <a:rPr lang="en-US" sz="2800" dirty="0"/>
+              <a:t> = function(</a:t>
+            </a:r>
+            <a:r>
+              <a:rPr lang="en-US" sz="2800" dirty="0" err="1"/>
+              <a:t>obj</a:t>
+            </a:r>
+            <a:r>
+              <a:rPr lang="en-US" sz="2800" dirty="0"/>
+              <a:t>){</a:t>
+            </a:r>
+          </a:p>
+          <a:p>
+            <a:r>
+              <a:rPr lang="en-US" sz="2800" dirty="0"/>
+              <a:t>	</a:t>
+            </a:r>
+          </a:p>
+          <a:p>
+            <a:r>
+              <a:rPr lang="en-US" sz="2800" dirty="0"/>
+              <a:t>	console.log("1: "+</a:t>
+            </a:r>
+            <a:r>
+              <a:rPr lang="en-US" sz="2800" dirty="0" err="1"/>
+              <a:t>obj</a:t>
+            </a:r>
+            <a:r>
+              <a:rPr lang="en-US" sz="2800" dirty="0"/>
+              <a:t>);</a:t>
+            </a:r>
+          </a:p>
+          <a:p>
+            <a:r>
+              <a:rPr lang="en-US" sz="2800" dirty="0"/>
+              <a:t>	</a:t>
+            </a:r>
+          </a:p>
+          <a:p>
+            <a:r>
+              <a:rPr lang="en-US" sz="2800" dirty="0"/>
+              <a:t>};</a:t>
+            </a:r>
+          </a:p>
+        </p:txBody>
+      </p:sp>
+    </p:spTree>
+    <p:extLst>
+      <p:ext uri="{BB962C8B-B14F-4D97-AF65-F5344CB8AC3E}">
+        <p14:creationId xmlns:p14="http://schemas.microsoft.com/office/powerpoint/2010/main" val="3630363222"/>
+      </p:ext>
+    </p:extLst>
+  </p:cSld>
+  <p:clrMapOvr>
+    <a:masterClrMapping/>
+  </p:clrMapOvr>
+  <p:timing>
+    <p:tnLst>
+      <p:par>
+        <p:cTn id="1" dur="indefinite" restart="never" nodeType="tmRoot"/>
+      </p:par>
+    </p:tnLst>
+  </p:timing>
+</p:sld>
+</file>
+
+<file path=ppt/slides/slide33.xml><?xml version="1.0" encoding="utf-8"?>
+<p:sld xmlns:a="http://schemas.openxmlformats.org/drawingml/2006/main" xmlns:r="http://schemas.openxmlformats.org/officeDocument/2006/relationships" xmlns:p="http://schemas.openxmlformats.org/presentationml/2006/main">
+  <p:cSld>
+    <p:spTree>
+      <p:nvGrpSpPr>
+        <p:cNvPr id="1" name=""/>
+        <p:cNvGrpSpPr/>
+        <p:nvPr/>
+      </p:nvGrpSpPr>
+      <p:grpSpPr>
+        <a:xfrm>
+          <a:off x="0" y="0"/>
+          <a:ext cx="0" cy="0"/>
+          <a:chOff x="0" y="0"/>
+          <a:chExt cx="0" cy="0"/>
+        </a:xfrm>
+      </p:grpSpPr>
+      <p:sp>
+        <p:nvSpPr>
+          <p:cNvPr id="2" name="Title 1"/>
+          <p:cNvSpPr>
+            <a:spLocks noGrp="1"/>
+          </p:cNvSpPr>
+          <p:nvPr>
+            <p:ph type="title"/>
+          </p:nvPr>
+        </p:nvSpPr>
+        <p:spPr>
+          <a:xfrm>
+            <a:off x="138112" y="0"/>
+            <a:ext cx="10515600" cy="1325563"/>
+          </a:xfrm>
+        </p:spPr>
+        <p:txBody>
+          <a:bodyPr/>
+          <a:lstStyle/>
+          <a:p>
+            <a:r>
+              <a:rPr lang="en-US" dirty="0" smtClean="0"/>
+              <a:t>Request </a:t>
+            </a:r>
+            <a:endParaRPr lang="en-US" dirty="0"/>
+          </a:p>
+        </p:txBody>
+      </p:sp>
+      <p:sp>
+        <p:nvSpPr>
+          <p:cNvPr id="3" name="Rectangle 2"/>
+          <p:cNvSpPr/>
+          <p:nvPr/>
+        </p:nvSpPr>
+        <p:spPr>
+          <a:xfrm>
+            <a:off x="2547937" y="1182708"/>
+            <a:ext cx="8696325" cy="5262979"/>
+          </a:xfrm>
+          <a:prstGeom prst="rect">
+            <a:avLst/>
+          </a:prstGeom>
+        </p:spPr>
+        <p:txBody>
+          <a:bodyPr wrap="square">
+            <a:spAutoFit/>
+          </a:bodyPr>
+          <a:lstStyle/>
+          <a:p>
+            <a:r>
+              <a:rPr lang="en-US" sz="2400" dirty="0" err="1"/>
+              <a:t>var</a:t>
+            </a:r>
+            <a:r>
+              <a:rPr lang="en-US" sz="2400" dirty="0"/>
+              <a:t> </a:t>
+            </a:r>
+            <a:r>
+              <a:rPr lang="en-US" sz="2400" dirty="0" err="1"/>
+              <a:t>make_request</a:t>
+            </a:r>
+            <a:r>
+              <a:rPr lang="en-US" sz="2400" dirty="0"/>
+              <a:t> = function(options, callback){</a:t>
+            </a:r>
+          </a:p>
+          <a:p>
+            <a:r>
+              <a:rPr lang="en-US" sz="2400" dirty="0"/>
+              <a:t>  request(options, function (error, response, body) {</a:t>
+            </a:r>
+          </a:p>
+          <a:p>
+            <a:r>
+              <a:rPr lang="en-US" sz="2400" dirty="0"/>
+              <a:t>    if (!error &amp;&amp; (</a:t>
+            </a:r>
+            <a:r>
+              <a:rPr lang="en-US" sz="2400" dirty="0" err="1"/>
+              <a:t>response.statusCode</a:t>
+            </a:r>
+            <a:r>
+              <a:rPr lang="en-US" sz="2400" dirty="0"/>
+              <a:t> === 200 ||</a:t>
+            </a:r>
+          </a:p>
+          <a:p>
+            <a:r>
+              <a:rPr lang="en-US" sz="2400" dirty="0"/>
+              <a:t>                   </a:t>
+            </a:r>
+            <a:r>
+              <a:rPr lang="en-US" sz="2400" dirty="0" smtClean="0"/>
+              <a:t>	  </a:t>
+            </a:r>
+            <a:r>
+              <a:rPr lang="en-US" sz="2400" dirty="0" err="1" smtClean="0"/>
+              <a:t>response.statusCode</a:t>
+            </a:r>
+            <a:r>
+              <a:rPr lang="en-US" sz="2400" dirty="0" smtClean="0"/>
+              <a:t> </a:t>
+            </a:r>
+            <a:r>
+              <a:rPr lang="en-US" sz="2400" dirty="0"/>
+              <a:t>=== 201 ||</a:t>
+            </a:r>
+          </a:p>
+          <a:p>
+            <a:r>
+              <a:rPr lang="en-US" sz="2400" dirty="0"/>
+              <a:t>                   </a:t>
+            </a:r>
+            <a:r>
+              <a:rPr lang="en-US" sz="2400" dirty="0" smtClean="0"/>
+              <a:t>	  </a:t>
+            </a:r>
+            <a:r>
+              <a:rPr lang="en-US" sz="2400" dirty="0" err="1" smtClean="0"/>
+              <a:t>response.statusCode</a:t>
+            </a:r>
+            <a:r>
+              <a:rPr lang="en-US" sz="2400" dirty="0" smtClean="0"/>
+              <a:t> </a:t>
+            </a:r>
+            <a:r>
+              <a:rPr lang="en-US" sz="2400" dirty="0"/>
+              <a:t>=== 204)) {</a:t>
+            </a:r>
+          </a:p>
+          <a:p>
+            <a:r>
+              <a:rPr lang="en-US" sz="2400" dirty="0"/>
+              <a:t>    </a:t>
+            </a:r>
+            <a:r>
+              <a:rPr lang="en-US" sz="2400" dirty="0" smtClean="0"/>
+              <a:t>	</a:t>
+            </a:r>
+            <a:r>
+              <a:rPr lang="en-US" sz="2400" dirty="0" err="1" smtClean="0"/>
+              <a:t>process_response</a:t>
+            </a:r>
+            <a:r>
+              <a:rPr lang="en-US" sz="2400" dirty="0" smtClean="0"/>
+              <a:t>(response</a:t>
+            </a:r>
+            <a:r>
+              <a:rPr lang="en-US" sz="2400" dirty="0"/>
+              <a:t>, body, function(</a:t>
+            </a:r>
+            <a:r>
+              <a:rPr lang="en-US" sz="2400" dirty="0" err="1"/>
+              <a:t>json_data</a:t>
+            </a:r>
+            <a:r>
+              <a:rPr lang="en-US" sz="2400" dirty="0"/>
+              <a:t>) {</a:t>
+            </a:r>
+          </a:p>
+          <a:p>
+            <a:r>
+              <a:rPr lang="en-US" sz="2400" dirty="0"/>
+              <a:t>             </a:t>
+            </a:r>
+            <a:r>
+              <a:rPr lang="en-US" sz="2400" dirty="0" smtClean="0"/>
+              <a:t>		return </a:t>
+            </a:r>
+            <a:r>
+              <a:rPr lang="en-US" sz="2400" dirty="0"/>
+              <a:t>callback(null, </a:t>
+            </a:r>
+            <a:r>
+              <a:rPr lang="en-US" sz="2400" dirty="0" err="1"/>
+              <a:t>json_data</a:t>
+            </a:r>
+            <a:r>
+              <a:rPr lang="en-US" sz="2400" dirty="0"/>
+              <a:t>);</a:t>
+            </a:r>
+          </a:p>
+          <a:p>
+            <a:r>
+              <a:rPr lang="en-US" sz="2400" dirty="0"/>
+              <a:t>        </a:t>
+            </a:r>
+            <a:r>
+              <a:rPr lang="en-US" sz="2400" dirty="0" smtClean="0"/>
+              <a:t>	});</a:t>
+            </a:r>
+            <a:endParaRPr lang="en-US" sz="2400" dirty="0"/>
+          </a:p>
+          <a:p>
+            <a:r>
+              <a:rPr lang="en-US" sz="2400" dirty="0"/>
+              <a:t>    } else {</a:t>
+            </a:r>
+          </a:p>
+          <a:p>
+            <a:r>
+              <a:rPr lang="en-US" sz="2400" dirty="0"/>
+              <a:t>        error = error || body;</a:t>
+            </a:r>
+          </a:p>
+          <a:p>
+            <a:r>
+              <a:rPr lang="en-US" sz="2400" dirty="0"/>
+              <a:t>        return callback(error);</a:t>
+            </a:r>
+          </a:p>
+          <a:p>
+            <a:r>
+              <a:rPr lang="en-US" sz="2400" dirty="0"/>
+              <a:t>    }</a:t>
+            </a:r>
+          </a:p>
+          <a:p>
+            <a:r>
+              <a:rPr lang="en-US" sz="2400" dirty="0"/>
+              <a:t>  });</a:t>
+            </a:r>
+          </a:p>
+          <a:p>
+            <a:r>
+              <a:rPr lang="en-US" sz="2400" dirty="0"/>
+              <a:t>};</a:t>
+            </a:r>
+          </a:p>
+        </p:txBody>
+      </p:sp>
+    </p:spTree>
+    <p:extLst>
+      <p:ext uri="{BB962C8B-B14F-4D97-AF65-F5344CB8AC3E}">
+        <p14:creationId xmlns:p14="http://schemas.microsoft.com/office/powerpoint/2010/main" val="2563864569"/>
+      </p:ext>
+    </p:extLst>
+  </p:cSld>
+  <p:clrMapOvr>
+    <a:masterClrMapping/>
+  </p:clrMapOvr>
+  <p:timing>
+    <p:tnLst>
+      <p:par>
+        <p:cTn id="1" dur="indefinite" restart="never" nodeType="tmRoot"/>
+      </p:par>
+    </p:tnLst>
+  </p:timing>
+</p:sld>
+</file>
+
+<file path=ppt/slides/slide34.xml><?xml version="1.0" encoding="utf-8"?>
+<p:sld xmlns:a="http://schemas.openxmlformats.org/drawingml/2006/main" xmlns:r="http://schemas.openxmlformats.org/officeDocument/2006/relationships" xmlns:p="http://schemas.openxmlformats.org/presentationml/2006/main">
+  <p:cSld>
+    <p:spTree>
+      <p:nvGrpSpPr>
+        <p:cNvPr id="1" name=""/>
+        <p:cNvGrpSpPr/>
+        <p:nvPr/>
+      </p:nvGrpSpPr>
+      <p:grpSpPr>
+        <a:xfrm>
+          <a:off x="0" y="0"/>
+          <a:ext cx="0" cy="0"/>
+          <a:chOff x="0" y="0"/>
+          <a:chExt cx="0" cy="0"/>
+        </a:xfrm>
+      </p:grpSpPr>
+      <p:sp>
+        <p:nvSpPr>
+          <p:cNvPr id="2" name="Title 1"/>
+          <p:cNvSpPr>
+            <a:spLocks noGrp="1"/>
+          </p:cNvSpPr>
+          <p:nvPr>
+            <p:ph type="title"/>
+          </p:nvPr>
+        </p:nvSpPr>
+        <p:spPr>
+          <a:xfrm>
+            <a:off x="138112" y="0"/>
+            <a:ext cx="10515600" cy="1325563"/>
+          </a:xfrm>
+        </p:spPr>
+        <p:txBody>
+          <a:bodyPr/>
+          <a:lstStyle/>
+          <a:p>
+            <a:r>
+              <a:rPr lang="en-US" dirty="0" smtClean="0"/>
+              <a:t>Response </a:t>
+            </a:r>
+            <a:endParaRPr lang="en-US" dirty="0"/>
+          </a:p>
+        </p:txBody>
+      </p:sp>
+      <p:sp>
+        <p:nvSpPr>
+          <p:cNvPr id="4" name="Rectangle 3"/>
+          <p:cNvSpPr/>
+          <p:nvPr/>
+        </p:nvSpPr>
+        <p:spPr>
+          <a:xfrm>
+            <a:off x="1419224" y="1176755"/>
+            <a:ext cx="9939339" cy="5262979"/>
+          </a:xfrm>
+          <a:prstGeom prst="rect">
+            <a:avLst/>
+          </a:prstGeom>
+        </p:spPr>
+        <p:txBody>
+          <a:bodyPr wrap="square">
+            <a:spAutoFit/>
+          </a:bodyPr>
+          <a:lstStyle/>
+          <a:p>
+            <a:r>
+              <a:rPr lang="en-US" sz="2400" dirty="0" err="1"/>
+              <a:t>var</a:t>
+            </a:r>
+            <a:r>
+              <a:rPr lang="en-US" sz="2400" dirty="0"/>
+              <a:t> </a:t>
+            </a:r>
+            <a:r>
+              <a:rPr lang="en-US" sz="2400" dirty="0" err="1"/>
+              <a:t>process_response</a:t>
+            </a:r>
+            <a:r>
+              <a:rPr lang="en-US" sz="2400" dirty="0"/>
+              <a:t> = function(res, body, callback) {</a:t>
+            </a:r>
+          </a:p>
+          <a:p>
+            <a:r>
+              <a:rPr lang="en-US" sz="2400" dirty="0"/>
+              <a:t>    </a:t>
+            </a:r>
+            <a:r>
+              <a:rPr lang="en-US" sz="2400" dirty="0" err="1"/>
+              <a:t>var</a:t>
+            </a:r>
+            <a:r>
+              <a:rPr lang="en-US" sz="2400" dirty="0"/>
+              <a:t> data = null;</a:t>
+            </a:r>
+          </a:p>
+          <a:p>
+            <a:r>
+              <a:rPr lang="en-US" sz="2400" dirty="0"/>
+              <a:t>    if (</a:t>
+            </a:r>
+            <a:r>
+              <a:rPr lang="en-US" sz="2400" dirty="0" err="1"/>
+              <a:t>res.statusCode</a:t>
+            </a:r>
+            <a:r>
+              <a:rPr lang="en-US" sz="2400" dirty="0"/>
+              <a:t> === 200 || </a:t>
+            </a:r>
+            <a:r>
+              <a:rPr lang="en-US" sz="2400" dirty="0" err="1"/>
+              <a:t>res.statusCode</a:t>
+            </a:r>
+            <a:r>
+              <a:rPr lang="en-US" sz="2400" dirty="0"/>
+              <a:t> === 201) {</a:t>
+            </a:r>
+          </a:p>
+          <a:p>
+            <a:r>
+              <a:rPr lang="en-US" sz="2400" dirty="0"/>
+              <a:t>        </a:t>
+            </a:r>
+            <a:r>
+              <a:rPr lang="en-US" sz="2400" dirty="0" smtClean="0"/>
+              <a:t>	if </a:t>
+            </a:r>
+            <a:r>
+              <a:rPr lang="en-US" sz="2400" dirty="0"/>
+              <a:t>(</a:t>
+            </a:r>
+            <a:r>
+              <a:rPr lang="en-US" sz="2400" dirty="0" err="1"/>
+              <a:t>res.headers</a:t>
+            </a:r>
+            <a:r>
+              <a:rPr lang="en-US" sz="2400" dirty="0"/>
+              <a:t>['content-type'] &amp;&amp;</a:t>
+            </a:r>
+          </a:p>
+          <a:p>
+            <a:r>
+              <a:rPr lang="en-US" sz="2400" dirty="0"/>
+              <a:t>            </a:t>
+            </a:r>
+            <a:r>
+              <a:rPr lang="en-US" sz="2400" dirty="0" smtClean="0"/>
+              <a:t>		</a:t>
+            </a:r>
+            <a:r>
+              <a:rPr lang="en-US" sz="2400" dirty="0" err="1" smtClean="0"/>
+              <a:t>res.headers</a:t>
+            </a:r>
+            <a:r>
+              <a:rPr lang="en-US" sz="2400" dirty="0"/>
+              <a:t>['content-type'].</a:t>
+            </a:r>
+            <a:r>
+              <a:rPr lang="en-US" sz="2400" dirty="0" err="1"/>
+              <a:t>indexOf</a:t>
+            </a:r>
+            <a:r>
+              <a:rPr lang="en-US" sz="2400" dirty="0"/>
+              <a:t>('application/</a:t>
+            </a:r>
+            <a:r>
+              <a:rPr lang="en-US" sz="2400" dirty="0" err="1"/>
+              <a:t>json</a:t>
+            </a:r>
+            <a:r>
+              <a:rPr lang="en-US" sz="2400" dirty="0"/>
+              <a:t>') &gt; -1) {</a:t>
+            </a:r>
+          </a:p>
+          <a:p>
+            <a:r>
+              <a:rPr lang="en-US" sz="2400" dirty="0"/>
+              <a:t>           </a:t>
+            </a:r>
+            <a:r>
+              <a:rPr lang="en-US" sz="2400" dirty="0" smtClean="0"/>
+              <a:t>	 	data </a:t>
+            </a:r>
+            <a:r>
+              <a:rPr lang="en-US" sz="2400" dirty="0"/>
+              <a:t>= body;</a:t>
+            </a:r>
+          </a:p>
+          <a:p>
+            <a:r>
+              <a:rPr lang="en-US" sz="2400" dirty="0"/>
+              <a:t>        </a:t>
+            </a:r>
+            <a:r>
+              <a:rPr lang="en-US" sz="2400" dirty="0" smtClean="0"/>
+              <a:t>	} </a:t>
+            </a:r>
+            <a:r>
+              <a:rPr lang="en-US" sz="2400" dirty="0"/>
+              <a:t>else {</a:t>
+            </a:r>
+          </a:p>
+          <a:p>
+            <a:r>
+              <a:rPr lang="en-US" sz="2400" dirty="0"/>
+              <a:t>            </a:t>
+            </a:r>
+            <a:r>
+              <a:rPr lang="en-US" sz="2400" dirty="0" smtClean="0"/>
+              <a:t>		data </a:t>
+            </a:r>
+            <a:r>
+              <a:rPr lang="en-US" sz="2400" dirty="0"/>
+              <a:t>= null;</a:t>
+            </a:r>
+          </a:p>
+          <a:p>
+            <a:r>
+              <a:rPr lang="en-US" sz="2400" dirty="0"/>
+              <a:t>        </a:t>
+            </a:r>
+            <a:r>
+              <a:rPr lang="en-US" sz="2400" dirty="0" smtClean="0"/>
+              <a:t>	}</a:t>
+            </a:r>
+            <a:endParaRPr lang="en-US" sz="2400" dirty="0"/>
+          </a:p>
+          <a:p>
+            <a:r>
+              <a:rPr lang="en-US" sz="2400" dirty="0"/>
+              <a:t>    } else if (</a:t>
+            </a:r>
+            <a:r>
+              <a:rPr lang="en-US" sz="2400" dirty="0" err="1"/>
+              <a:t>res.statusCode</a:t>
+            </a:r>
+            <a:r>
+              <a:rPr lang="en-US" sz="2400" dirty="0"/>
+              <a:t> === 204) {</a:t>
+            </a:r>
+          </a:p>
+          <a:p>
+            <a:r>
+              <a:rPr lang="en-US" sz="2400" dirty="0"/>
+              <a:t>        </a:t>
+            </a:r>
+            <a:r>
+              <a:rPr lang="en-US" sz="2400" dirty="0" smtClean="0"/>
+              <a:t>	data </a:t>
+            </a:r>
+            <a:r>
+              <a:rPr lang="en-US" sz="2400" dirty="0"/>
+              <a:t>= { status: "Done" };</a:t>
+            </a:r>
+          </a:p>
+          <a:p>
+            <a:r>
+              <a:rPr lang="en-US" sz="2400" dirty="0"/>
+              <a:t>    }</a:t>
+            </a:r>
+          </a:p>
+          <a:p>
+            <a:r>
+              <a:rPr lang="en-US" sz="2400" dirty="0"/>
+              <a:t>    return  callback(data);</a:t>
+            </a:r>
+          </a:p>
+          <a:p>
+            <a:r>
+              <a:rPr lang="en-US" sz="2400" dirty="0"/>
+              <a:t>}</a:t>
+            </a:r>
+          </a:p>
+        </p:txBody>
+      </p:sp>
+    </p:spTree>
+    <p:extLst>
+      <p:ext uri="{BB962C8B-B14F-4D97-AF65-F5344CB8AC3E}">
+        <p14:creationId xmlns:p14="http://schemas.microsoft.com/office/powerpoint/2010/main" val="587279252"/>
+      </p:ext>
+    </p:extLst>
+  </p:cSld>
+  <p:clrMapOvr>
+    <a:masterClrMapping/>
+  </p:clrMapOvr>
+  <p:timing>
+    <p:tnLst>
+      <p:par>
+        <p:cTn id="1" dur="indefinite" restart="never" nodeType="tmRoot"/>
+      </p:par>
+    </p:tnLst>
+  </p:timing>
+</p:sld>
+</file>
+
+<file path=ppt/slides/slide35.xml><?xml version="1.0" encoding="utf-8"?>
+<p:sld xmlns:a="http://schemas.openxmlformats.org/drawingml/2006/main" xmlns:r="http://schemas.openxmlformats.org/officeDocument/2006/relationships" xmlns:p="http://schemas.openxmlformats.org/presentationml/2006/main">
+  <p:cSld>
+    <p:spTree>
+      <p:nvGrpSpPr>
+        <p:cNvPr id="1" name=""/>
+        <p:cNvGrpSpPr/>
+        <p:nvPr/>
+      </p:nvGrpSpPr>
+      <p:grpSpPr>
+        <a:xfrm>
+          <a:off x="0" y="0"/>
+          <a:ext cx="0" cy="0"/>
+          <a:chOff x="0" y="0"/>
+          <a:chExt cx="0" cy="0"/>
+        </a:xfrm>
+      </p:grpSpPr>
+      <p:sp>
+        <p:nvSpPr>
+          <p:cNvPr id="2" name="Title 1"/>
+          <p:cNvSpPr>
+            <a:spLocks noGrp="1"/>
+          </p:cNvSpPr>
+          <p:nvPr>
+            <p:ph type="title"/>
+          </p:nvPr>
+        </p:nvSpPr>
+        <p:spPr>
+          <a:xfrm>
+            <a:off x="138112" y="0"/>
+            <a:ext cx="10515600" cy="1325563"/>
+          </a:xfrm>
+        </p:spPr>
+        <p:txBody>
+          <a:bodyPr/>
+          <a:lstStyle/>
+          <a:p>
+            <a:r>
+              <a:rPr lang="en-US" dirty="0" smtClean="0"/>
+              <a:t>Parameters for Request  </a:t>
+            </a:r>
+            <a:endParaRPr lang="en-US" dirty="0"/>
+          </a:p>
+        </p:txBody>
+      </p:sp>
+      <p:sp>
+        <p:nvSpPr>
+          <p:cNvPr id="3" name="Rectangle 2"/>
+          <p:cNvSpPr/>
+          <p:nvPr/>
+        </p:nvSpPr>
+        <p:spPr>
+          <a:xfrm>
+            <a:off x="1328738" y="1070045"/>
+            <a:ext cx="8943974" cy="5078313"/>
+          </a:xfrm>
+          <a:prstGeom prst="rect">
+            <a:avLst/>
+          </a:prstGeom>
+        </p:spPr>
+        <p:txBody>
+          <a:bodyPr wrap="square">
+            <a:spAutoFit/>
+          </a:bodyPr>
+          <a:lstStyle/>
+          <a:p>
+            <a:r>
+              <a:rPr lang="en-US" dirty="0" err="1"/>
+              <a:t>var</a:t>
+            </a:r>
+            <a:r>
+              <a:rPr lang="en-US" dirty="0"/>
+              <a:t> </a:t>
+            </a:r>
+            <a:r>
+              <a:rPr lang="en-US" dirty="0" err="1"/>
+              <a:t>make_options</a:t>
+            </a:r>
+            <a:r>
+              <a:rPr lang="en-US" dirty="0"/>
+              <a:t> = function(</a:t>
+            </a:r>
+            <a:r>
+              <a:rPr lang="en-US" dirty="0" err="1"/>
+              <a:t>url</a:t>
+            </a:r>
+            <a:r>
+              <a:rPr lang="en-US" dirty="0"/>
+              <a:t>, method, data, token){</a:t>
+            </a:r>
+          </a:p>
+          <a:p>
+            <a:r>
+              <a:rPr lang="en-US" dirty="0"/>
+              <a:t>  </a:t>
+            </a:r>
+            <a:r>
+              <a:rPr lang="en-US" dirty="0" err="1"/>
+              <a:t>var</a:t>
+            </a:r>
+            <a:r>
+              <a:rPr lang="en-US" dirty="0"/>
+              <a:t> options = {</a:t>
+            </a:r>
+          </a:p>
+          <a:p>
+            <a:r>
+              <a:rPr lang="en-US" dirty="0"/>
+              <a:t>    "</a:t>
+            </a:r>
+            <a:r>
+              <a:rPr lang="en-US" dirty="0" err="1"/>
+              <a:t>url</a:t>
+            </a:r>
+            <a:r>
+              <a:rPr lang="en-US" dirty="0"/>
+              <a:t>": </a:t>
+            </a:r>
+            <a:r>
+              <a:rPr lang="en-US" dirty="0" err="1"/>
+              <a:t>url</a:t>
+            </a:r>
+            <a:r>
+              <a:rPr lang="en-US" dirty="0"/>
+              <a:t>,</a:t>
+            </a:r>
+          </a:p>
+          <a:p>
+            <a:r>
+              <a:rPr lang="en-US" dirty="0"/>
+              <a:t>    "proxy": null,</a:t>
+            </a:r>
+          </a:p>
+          <a:p>
+            <a:r>
+              <a:rPr lang="en-US" dirty="0"/>
+              <a:t>    "method": method,</a:t>
+            </a:r>
+          </a:p>
+          <a:p>
+            <a:r>
+              <a:rPr lang="en-US" dirty="0"/>
+              <a:t>    "</a:t>
+            </a:r>
+            <a:r>
+              <a:rPr lang="en-US" dirty="0" err="1"/>
+              <a:t>json</a:t>
+            </a:r>
+            <a:r>
+              <a:rPr lang="en-US" dirty="0"/>
+              <a:t>": true,</a:t>
+            </a:r>
+          </a:p>
+          <a:p>
+            <a:r>
+              <a:rPr lang="en-US" dirty="0"/>
+              <a:t>    "</a:t>
+            </a:r>
+            <a:r>
+              <a:rPr lang="en-US" dirty="0" err="1"/>
+              <a:t>followAllRedirects</a:t>
+            </a:r>
+            <a:r>
+              <a:rPr lang="en-US" dirty="0"/>
+              <a:t>": true,</a:t>
+            </a:r>
+          </a:p>
+          <a:p>
+            <a:r>
+              <a:rPr lang="en-US" dirty="0"/>
+              <a:t>    "</a:t>
+            </a:r>
+            <a:r>
+              <a:rPr lang="en-US" dirty="0" err="1"/>
+              <a:t>strictSSL</a:t>
+            </a:r>
+            <a:r>
+              <a:rPr lang="en-US" dirty="0"/>
+              <a:t>": false,</a:t>
+            </a:r>
+          </a:p>
+          <a:p>
+            <a:r>
+              <a:rPr lang="en-US" dirty="0"/>
+              <a:t>    "body": data || {},</a:t>
+            </a:r>
+          </a:p>
+          <a:p>
+            <a:r>
+              <a:rPr lang="en-US" dirty="0"/>
+              <a:t>    "headers": {}</a:t>
+            </a:r>
+          </a:p>
+          <a:p>
+            <a:r>
+              <a:rPr lang="en-US" dirty="0"/>
+              <a:t>  }</a:t>
+            </a:r>
+          </a:p>
+          <a:p>
+            <a:r>
+              <a:rPr lang="en-US" dirty="0"/>
+              <a:t>  if (</a:t>
+            </a:r>
+            <a:r>
+              <a:rPr lang="en-US" dirty="0" err="1"/>
+              <a:t>process.env.PROXY</a:t>
+            </a:r>
+            <a:r>
+              <a:rPr lang="en-US" dirty="0"/>
+              <a:t>) </a:t>
+            </a:r>
+            <a:r>
+              <a:rPr lang="en-US" dirty="0" smtClean="0"/>
+              <a:t>{</a:t>
+            </a:r>
+          </a:p>
+          <a:p>
+            <a:r>
+              <a:rPr lang="en-US" dirty="0"/>
+              <a:t>	</a:t>
+            </a:r>
+            <a:r>
+              <a:rPr lang="en-US" dirty="0" err="1" smtClean="0"/>
+              <a:t>options.proxy</a:t>
+            </a:r>
+            <a:r>
+              <a:rPr lang="en-US" dirty="0" smtClean="0"/>
+              <a:t> </a:t>
+            </a:r>
+            <a:r>
+              <a:rPr lang="en-US" dirty="0"/>
+              <a:t>= </a:t>
+            </a:r>
+            <a:r>
+              <a:rPr lang="en-US" dirty="0" err="1"/>
+              <a:t>process.env.PROXY</a:t>
+            </a:r>
+            <a:r>
+              <a:rPr lang="en-US" dirty="0"/>
+              <a:t>;</a:t>
+            </a:r>
+          </a:p>
+          <a:p>
+            <a:r>
+              <a:rPr lang="en-US" dirty="0"/>
+              <a:t>    </a:t>
+            </a:r>
+            <a:r>
+              <a:rPr lang="en-US" dirty="0" smtClean="0"/>
+              <a:t>	</a:t>
+            </a:r>
+            <a:r>
+              <a:rPr lang="en-US" dirty="0" err="1" smtClean="0"/>
+              <a:t>options.strictSSL</a:t>
+            </a:r>
+            <a:r>
+              <a:rPr lang="en-US" dirty="0" smtClean="0"/>
+              <a:t> </a:t>
+            </a:r>
+            <a:r>
+              <a:rPr lang="en-US" dirty="0"/>
+              <a:t>= false;</a:t>
+            </a:r>
+          </a:p>
+          <a:p>
+            <a:r>
+              <a:rPr lang="en-US" dirty="0"/>
+              <a:t>  }</a:t>
+            </a:r>
+          </a:p>
+          <a:p>
+            <a:r>
+              <a:rPr lang="en-US" dirty="0"/>
+              <a:t> </a:t>
+            </a:r>
+            <a:r>
+              <a:rPr lang="en-US" dirty="0" smtClean="0"/>
+              <a:t>	 </a:t>
+            </a:r>
+            <a:r>
+              <a:rPr lang="en-US" dirty="0"/>
+              <a:t>if (token) </a:t>
+            </a:r>
+            <a:r>
+              <a:rPr lang="en-US" dirty="0" err="1"/>
+              <a:t>options.headers</a:t>
+            </a:r>
+            <a:r>
+              <a:rPr lang="en-US" dirty="0"/>
+              <a:t> = { "Authorization": "Bearer " + token };</a:t>
+            </a:r>
+          </a:p>
+          <a:p>
+            <a:r>
+              <a:rPr lang="en-US" dirty="0"/>
+              <a:t>  </a:t>
+            </a:r>
+            <a:r>
+              <a:rPr lang="en-US" dirty="0" smtClean="0"/>
+              <a:t>	return </a:t>
+            </a:r>
+            <a:r>
+              <a:rPr lang="en-US" dirty="0"/>
+              <a:t>options;</a:t>
+            </a:r>
+          </a:p>
+          <a:p>
+            <a:r>
+              <a:rPr lang="en-US" dirty="0"/>
+              <a:t>}</a:t>
+            </a:r>
+          </a:p>
+        </p:txBody>
+      </p:sp>
+    </p:spTree>
+    <p:extLst>
+      <p:ext uri="{BB962C8B-B14F-4D97-AF65-F5344CB8AC3E}">
+        <p14:creationId xmlns:p14="http://schemas.microsoft.com/office/powerpoint/2010/main" val="3271602945"/>
+      </p:ext>
+    </p:extLst>
+  </p:cSld>
+  <p:clrMapOvr>
+    <a:masterClrMapping/>
+  </p:clrMapOvr>
+  <p:timing>
+    <p:tnLst>
+      <p:par>
+        <p:cTn id="1" dur="indefinite" restart="never" nodeType="tmRoot"/>
+      </p:par>
+    </p:tnLst>
+  </p:timing>
+</p:sld>
+</file>
+
+<file path=ppt/slides/slide36.xml><?xml version="1.0" encoding="utf-8"?>
+<p:sld xmlns:a="http://schemas.openxmlformats.org/drawingml/2006/main" xmlns:r="http://schemas.openxmlformats.org/officeDocument/2006/relationships" xmlns:p="http://schemas.openxmlformats.org/presentationml/2006/main">
+  <p:cSld>
+    <p:spTree>
+      <p:nvGrpSpPr>
+        <p:cNvPr id="1" name=""/>
+        <p:cNvGrpSpPr/>
+        <p:nvPr/>
+      </p:nvGrpSpPr>
+      <p:grpSpPr>
+        <a:xfrm>
+          <a:off x="0" y="0"/>
+          <a:ext cx="0" cy="0"/>
+          <a:chOff x="0" y="0"/>
+          <a:chExt cx="0" cy="0"/>
+        </a:xfrm>
+      </p:grpSpPr>
+      <p:sp>
+        <p:nvSpPr>
+          <p:cNvPr id="4" name="Rectangle 3"/>
+          <p:cNvSpPr/>
+          <p:nvPr/>
+        </p:nvSpPr>
+        <p:spPr>
+          <a:xfrm>
+            <a:off x="519113" y="338435"/>
+            <a:ext cx="10610850" cy="6247864"/>
+          </a:xfrm>
+          <a:prstGeom prst="rect">
+            <a:avLst/>
+          </a:prstGeom>
+        </p:spPr>
+        <p:txBody>
+          <a:bodyPr wrap="square">
+            <a:spAutoFit/>
+          </a:bodyPr>
+          <a:lstStyle/>
+          <a:p>
+            <a:r>
+              <a:rPr lang="en-US" b="1" i="1" dirty="0">
+                <a:latin typeface="Arial" panose="020B0604020202020204" pitchFamily="34" charset="0"/>
+              </a:rPr>
+              <a:t>echo "</a:t>
+            </a:r>
+            <a:r>
+              <a:rPr lang="en-US" b="1" i="1" dirty="0" err="1">
+                <a:latin typeface="Arial" panose="020B0604020202020204" pitchFamily="34" charset="0"/>
+              </a:rPr>
+              <a:t>src</a:t>
+            </a:r>
+            <a:r>
+              <a:rPr lang="en-US" b="1" i="1" dirty="0">
+                <a:latin typeface="Arial" panose="020B0604020202020204" pitchFamily="34" charset="0"/>
+              </a:rPr>
+              <a:t> intel-</a:t>
+            </a:r>
+            <a:r>
+              <a:rPr lang="en-US" b="1" i="1" dirty="0" err="1">
+                <a:latin typeface="Arial" panose="020B0604020202020204" pitchFamily="34" charset="0"/>
+              </a:rPr>
+              <a:t>iotdk</a:t>
+            </a:r>
+            <a:r>
+              <a:rPr lang="en-US" b="1" i="1" dirty="0">
+                <a:latin typeface="Arial" panose="020B0604020202020204" pitchFamily="34" charset="0"/>
+              </a:rPr>
+              <a:t> http://iotdk.intel.com/repo/1.1/intelgalactic" &gt; /</a:t>
+            </a:r>
+            <a:r>
+              <a:rPr lang="en-US" b="1" i="1" dirty="0" err="1" smtClean="0">
+                <a:latin typeface="Arial" panose="020B0604020202020204" pitchFamily="34" charset="0"/>
+              </a:rPr>
+              <a:t>etc</a:t>
+            </a:r>
+            <a:r>
+              <a:rPr lang="en-US" b="1" i="1" dirty="0" smtClean="0">
+                <a:latin typeface="Arial" panose="020B0604020202020204" pitchFamily="34" charset="0"/>
+              </a:rPr>
+              <a:t>/</a:t>
+            </a:r>
+            <a:r>
+              <a:rPr lang="en-US" b="1" i="1" dirty="0" err="1" smtClean="0">
+                <a:latin typeface="Arial" panose="020B0604020202020204" pitchFamily="34" charset="0"/>
+              </a:rPr>
+              <a:t>opkg</a:t>
+            </a:r>
+            <a:r>
+              <a:rPr lang="en-US" b="1" i="1" dirty="0" smtClean="0">
+                <a:latin typeface="Arial" panose="020B0604020202020204" pitchFamily="34" charset="0"/>
+              </a:rPr>
+              <a:t>/intel-</a:t>
+            </a:r>
+            <a:r>
+              <a:rPr lang="en-US" b="1" i="1" dirty="0" err="1" smtClean="0">
+                <a:latin typeface="Arial" panose="020B0604020202020204" pitchFamily="34" charset="0"/>
+              </a:rPr>
+              <a:t>iotdk.conf</a:t>
+            </a:r>
+            <a:endParaRPr lang="en-US" b="1" i="1" dirty="0" smtClean="0">
+              <a:latin typeface="Arial" panose="020B0604020202020204" pitchFamily="34" charset="0"/>
+            </a:endParaRPr>
+          </a:p>
+          <a:p>
+            <a:endParaRPr lang="en-US" b="1" i="1" dirty="0">
+              <a:latin typeface="Arial" panose="020B0604020202020204" pitchFamily="34" charset="0"/>
+            </a:endParaRPr>
+          </a:p>
+          <a:p>
+            <a:r>
+              <a:rPr lang="en-US" sz="2800" b="1" dirty="0"/>
+              <a:t> </a:t>
+            </a:r>
+            <a:r>
+              <a:rPr lang="en-US" sz="2800" b="1" i="1" dirty="0"/>
+              <a:t>vi /</a:t>
+            </a:r>
+            <a:r>
+              <a:rPr lang="en-US" sz="2800" b="1" i="1" dirty="0" err="1" smtClean="0"/>
+              <a:t>etc</a:t>
+            </a:r>
+            <a:r>
+              <a:rPr lang="en-US" sz="2800" b="1" i="1" dirty="0" smtClean="0"/>
+              <a:t>/</a:t>
+            </a:r>
+            <a:r>
+              <a:rPr lang="en-US" sz="2800" b="1" i="1" dirty="0" err="1" smtClean="0"/>
+              <a:t>opkg</a:t>
+            </a:r>
+            <a:r>
+              <a:rPr lang="en-US" sz="2800" b="1" i="1" dirty="0" smtClean="0"/>
+              <a:t>/base-</a:t>
+            </a:r>
+            <a:r>
+              <a:rPr lang="en-US" sz="2800" b="1" i="1" dirty="0" err="1" smtClean="0"/>
+              <a:t>feeds.conf</a:t>
+            </a:r>
+            <a:endParaRPr lang="en-US" sz="2800" b="1" i="1" dirty="0" smtClean="0"/>
+          </a:p>
+          <a:p>
+            <a:endParaRPr lang="en-US" sz="2800" b="1" i="1" dirty="0"/>
+          </a:p>
+          <a:p>
+            <a:r>
+              <a:rPr lang="en-US" sz="2800" i="1" dirty="0" err="1" smtClean="0"/>
+              <a:t>src</a:t>
+            </a:r>
+            <a:r>
+              <a:rPr lang="en-US" sz="2800" i="1" dirty="0" smtClean="0"/>
+              <a:t>/</a:t>
+            </a:r>
+            <a:r>
+              <a:rPr lang="en-US" sz="2800" i="1" dirty="0" err="1" smtClean="0"/>
+              <a:t>gz</a:t>
+            </a:r>
+            <a:r>
+              <a:rPr lang="en-US" sz="2800" i="1" dirty="0" smtClean="0"/>
+              <a:t> </a:t>
+            </a:r>
+            <a:r>
+              <a:rPr lang="en-US" sz="2800" i="1" dirty="0"/>
+              <a:t>all http://repo.opkg.net/edison/repo/all</a:t>
+            </a:r>
+            <a:br>
+              <a:rPr lang="en-US" sz="2800" i="1" dirty="0"/>
+            </a:br>
+            <a:r>
+              <a:rPr lang="en-US" sz="2800" i="1" dirty="0" err="1" smtClean="0"/>
+              <a:t>src</a:t>
+            </a:r>
+            <a:r>
+              <a:rPr lang="en-US" sz="2800" i="1" dirty="0" smtClean="0"/>
+              <a:t>/</a:t>
+            </a:r>
+            <a:r>
+              <a:rPr lang="en-US" sz="2800" i="1" dirty="0" err="1" smtClean="0"/>
+              <a:t>gz</a:t>
+            </a:r>
+            <a:r>
+              <a:rPr lang="en-US" sz="2800" i="1" dirty="0" smtClean="0"/>
+              <a:t> </a:t>
+            </a:r>
+            <a:r>
+              <a:rPr lang="en-US" sz="2800" i="1" dirty="0" err="1"/>
+              <a:t>edison</a:t>
+            </a:r>
+            <a:r>
+              <a:rPr lang="en-US" sz="2800" i="1" dirty="0"/>
+              <a:t> http://repo.opkg.net/edison/repo/edison</a:t>
+            </a:r>
+            <a:br>
+              <a:rPr lang="en-US" sz="2800" i="1" dirty="0"/>
+            </a:br>
+            <a:r>
+              <a:rPr lang="en-US" sz="2800" i="1" dirty="0" err="1" smtClean="0"/>
+              <a:t>src</a:t>
+            </a:r>
+            <a:r>
+              <a:rPr lang="en-US" sz="2800" i="1" dirty="0" smtClean="0"/>
+              <a:t>/</a:t>
+            </a:r>
+            <a:r>
+              <a:rPr lang="en-US" sz="2800" i="1" dirty="0" err="1" smtClean="0"/>
+              <a:t>gz</a:t>
+            </a:r>
+            <a:r>
+              <a:rPr lang="en-US" sz="2800" i="1" dirty="0" smtClean="0"/>
+              <a:t> </a:t>
+            </a:r>
+            <a:r>
+              <a:rPr lang="en-US" sz="2800" i="1" dirty="0"/>
+              <a:t>core2-32 http://repo.opkg.net/edison/repo/core2-32</a:t>
+            </a:r>
+            <a:r>
+              <a:rPr lang="en-US" sz="2800" b="1" i="1" dirty="0"/>
+              <a:t>  </a:t>
+            </a:r>
+            <a:endParaRPr lang="en-US" sz="2800" b="1" i="1" dirty="0" smtClean="0"/>
+          </a:p>
+          <a:p>
+            <a:endParaRPr lang="en-US" sz="2800" b="1" i="1" dirty="0"/>
+          </a:p>
+          <a:p>
+            <a:r>
+              <a:rPr lang="en-US" sz="2800" b="1" i="1" dirty="0" err="1"/>
+              <a:t>opkg</a:t>
+            </a:r>
+            <a:r>
+              <a:rPr lang="en-US" sz="2800" b="1" i="1" dirty="0"/>
+              <a:t> update</a:t>
+            </a:r>
+            <a:br>
+              <a:rPr lang="en-US" sz="2800" b="1" i="1" dirty="0"/>
+            </a:br>
+            <a:r>
+              <a:rPr lang="en-US" sz="2800" b="1" i="1" dirty="0" err="1" smtClean="0"/>
+              <a:t>opkg</a:t>
+            </a:r>
+            <a:r>
+              <a:rPr lang="en-US" sz="2800" b="1" i="1" dirty="0" smtClean="0"/>
+              <a:t> upgrade </a:t>
+            </a:r>
+          </a:p>
+          <a:p>
+            <a:endParaRPr lang="en-US" sz="2800" b="1" i="1" dirty="0"/>
+          </a:p>
+          <a:p>
+            <a:r>
+              <a:rPr lang="en-US" sz="2800" b="1" i="1" dirty="0" err="1"/>
+              <a:t>opkg</a:t>
+            </a:r>
+            <a:r>
+              <a:rPr lang="en-US" sz="2800" b="1" i="1" dirty="0"/>
+              <a:t> install python-pip    </a:t>
+            </a:r>
+            <a:br>
+              <a:rPr lang="en-US" sz="2800" b="1" i="1" dirty="0"/>
+            </a:br>
+            <a:r>
+              <a:rPr lang="en-US" sz="2800" b="1" i="1" dirty="0" smtClean="0"/>
+              <a:t>----------------------------------------------------</a:t>
+            </a:r>
+            <a:endParaRPr lang="en-US" sz="2800" dirty="0"/>
+          </a:p>
+          <a:p>
+            <a:r>
+              <a:rPr lang="en-US" sz="2800" dirty="0" smtClean="0"/>
+              <a:t>(</a:t>
+            </a:r>
+            <a:r>
+              <a:rPr lang="en-US" sz="2800" b="1" dirty="0"/>
+              <a:t>pip install --upgrade </a:t>
+            </a:r>
+            <a:r>
+              <a:rPr lang="en-US" sz="2800" b="1" dirty="0" smtClean="0"/>
+              <a:t>pip)</a:t>
+            </a:r>
+            <a:r>
+              <a:rPr lang="en-US" sz="2800" dirty="0"/>
+              <a:t/>
+            </a:r>
+            <a:br>
+              <a:rPr lang="en-US" sz="2800" dirty="0"/>
+            </a:br>
+            <a:endParaRPr lang="en-US" sz="2800" dirty="0"/>
+          </a:p>
+        </p:txBody>
+      </p:sp>
+    </p:spTree>
+    <p:extLst>
+      <p:ext uri="{BB962C8B-B14F-4D97-AF65-F5344CB8AC3E}">
+        <p14:creationId xmlns:p14="http://schemas.microsoft.com/office/powerpoint/2010/main" val="3555331142"/>
       </p:ext>
     </p:extLst>
   </p:cSld>
@@ -11570,7 +14683,6 @@
               <a:rPr lang="en-GB" dirty="0" smtClean="0"/>
               <a:t>Select number of network to join</a:t>
             </a:r>
-            <a:endParaRPr lang="en-GB" dirty="0" smtClean="0"/>
           </a:p>
           <a:p>
             <a:pPr lvl="3"/>
@@ -11578,7 +14690,6 @@
               <a:rPr lang="en-GB" dirty="0" smtClean="0"/>
               <a:t>Enter password</a:t>
             </a:r>
-            <a:endParaRPr lang="en-GB" dirty="0" smtClean="0"/>
           </a:p>
           <a:p>
             <a:pPr lvl="2"/>
